--- a/article/how_to_improve_software_testing_capablity_by_container/工程能力容器化沙盘.pptx
+++ b/article/how_to_improve_software_testing_capablity_by_container/工程能力容器化沙盘.pptx
@@ -201,7 +201,7 @@
             <a:fld id="{F3516CB7-380A-4A21-A5FB-2D38DA0DEB81}" type="datetimeFigureOut">
               <a:rPr lang="zh-CN" altLang="en-US" smtClean="0"/>
               <a:pPr/>
-              <a:t>2016/12/19</a:t>
+              <a:t>2016/12/30</a:t>
             </a:fld>
             <a:endParaRPr lang="zh-CN" altLang="en-US"/>
           </a:p>
@@ -5214,7 +5214,7 @@
                 </a:solidFill>
               </a:rPr>
               <a:pPr/>
-              <a:t>2016/12/19</a:t>
+              <a:t>2016/12/30</a:t>
             </a:fld>
             <a:endParaRPr lang="en-US" altLang="zh-CN">
               <a:solidFill>
@@ -10664,7 +10664,7 @@
                 </a:solidFill>
               </a:rPr>
               <a:pPr/>
-              <a:t>2016/12/19</a:t>
+              <a:t>2016/12/30</a:t>
             </a:fld>
             <a:endParaRPr lang="en-US" altLang="zh-CN">
               <a:solidFill>
@@ -15224,7 +15224,7 @@
                 </a:solidFill>
               </a:rPr>
               <a:pPr/>
-              <a:t>2016/12/19</a:t>
+              <a:t>2016/12/30</a:t>
             </a:fld>
             <a:endParaRPr lang="en-US" altLang="zh-CN">
               <a:solidFill>
@@ -45756,11 +45756,18 @@
           <a:p>
             <a:pPr algn="ctr"/>
             <a:r>
+              <a:rPr lang="en-US" altLang="zh-CN" sz="1000" dirty="0" smtClean="0">
+                <a:latin typeface="微软雅黑" pitchFamily="34" charset="-122"/>
+                <a:ea typeface="微软雅黑" pitchFamily="34" charset="-122"/>
+              </a:rPr>
+              <a:t>Web</a:t>
+            </a:r>
+            <a:r>
               <a:rPr lang="zh-CN" altLang="en-US" sz="1000" dirty="0" smtClean="0">
                 <a:latin typeface="微软雅黑" pitchFamily="34" charset="-122"/>
                 <a:ea typeface="微软雅黑" pitchFamily="34" charset="-122"/>
               </a:rPr>
-              <a:t>手机应用</a:t>
+              <a:t>终端</a:t>
             </a:r>
             <a:endParaRPr lang="zh-CN" altLang="en-US" sz="1000" dirty="0">
               <a:latin typeface="微软雅黑" pitchFamily="34" charset="-122"/>
@@ -46015,7 +46022,7 @@
                 <a:latin typeface="微软雅黑" pitchFamily="34" charset="-122"/>
                 <a:ea typeface="微软雅黑" pitchFamily="34" charset="-122"/>
               </a:rPr>
-              <a:t>网应用</a:t>
+              <a:t>网服务</a:t>
             </a:r>
             <a:endParaRPr lang="zh-CN" altLang="en-US" sz="1000" dirty="0">
               <a:latin typeface="微软雅黑" pitchFamily="34" charset="-122"/>
@@ -53122,14 +53129,14 @@
         <a:effectLst/>
         <a:extLst>
           <a:ext uri="{909E8E84-426E-40DD-AFC4-6F175D3DCCD1}">
-            <a14:hiddenFill xmlns="" xmlns:a14="http://schemas.microsoft.com/office/drawing/2010/main">
+            <a14:hiddenFill xmlns:a14="http://schemas.microsoft.com/office/drawing/2010/main" xmlns="">
               <a:solidFill>
                 <a:schemeClr val="accent1"/>
               </a:solidFill>
             </a14:hiddenFill>
           </a:ext>
           <a:ext uri="{91240B29-F687-4F45-9708-019B960494DF}">
-            <a14:hiddenLine xmlns="" xmlns:a14="http://schemas.microsoft.com/office/drawing/2010/main" w="9525" cap="flat" cmpd="sng" algn="ctr">
+            <a14:hiddenLine xmlns:a14="http://schemas.microsoft.com/office/drawing/2010/main" xmlns="" w="9525" cap="flat" cmpd="sng" algn="ctr">
               <a:solidFill>
                 <a:schemeClr val="tx1"/>
               </a:solidFill>
@@ -53140,7 +53147,7 @@
             </a14:hiddenLine>
           </a:ext>
           <a:ext uri="{AF507438-7753-43E0-B8FC-AC1667EBCBE1}">
-            <a14:hiddenEffects xmlns="" xmlns:a14="http://schemas.microsoft.com/office/drawing/2010/main">
+            <a14:hiddenEffects xmlns:a14="http://schemas.microsoft.com/office/drawing/2010/main" xmlns="">
               <a:effectLst>
                 <a:outerShdw dist="35921" dir="2700000" algn="ctr" rotWithShape="0">
                   <a:schemeClr val="bg2"/>
@@ -53208,14 +53215,14 @@
         <a:effectLst/>
         <a:extLst>
           <a:ext uri="{909E8E84-426E-40DD-AFC4-6F175D3DCCD1}">
-            <a14:hiddenFill xmlns="" xmlns:a14="http://schemas.microsoft.com/office/drawing/2010/main">
+            <a14:hiddenFill xmlns:a14="http://schemas.microsoft.com/office/drawing/2010/main" xmlns="">
               <a:solidFill>
                 <a:schemeClr val="accent1"/>
               </a:solidFill>
             </a14:hiddenFill>
           </a:ext>
           <a:ext uri="{91240B29-F687-4F45-9708-019B960494DF}">
-            <a14:hiddenLine xmlns="" xmlns:a14="http://schemas.microsoft.com/office/drawing/2010/main" w="9525" cap="flat" cmpd="sng" algn="ctr">
+            <a14:hiddenLine xmlns:a14="http://schemas.microsoft.com/office/drawing/2010/main" xmlns="" w="9525" cap="flat" cmpd="sng" algn="ctr">
               <a:solidFill>
                 <a:schemeClr val="tx1"/>
               </a:solidFill>
@@ -53226,7 +53233,7 @@
             </a14:hiddenLine>
           </a:ext>
           <a:ext uri="{AF507438-7753-43E0-B8FC-AC1667EBCBE1}">
-            <a14:hiddenEffects xmlns="" xmlns:a14="http://schemas.microsoft.com/office/drawing/2010/main">
+            <a14:hiddenEffects xmlns:a14="http://schemas.microsoft.com/office/drawing/2010/main" xmlns="">
               <a:effectLst>
                 <a:outerShdw dist="35921" dir="2700000" algn="ctr" rotWithShape="0">
                   <a:schemeClr val="bg2"/>

--- a/article/how_to_improve_software_testing_capablity_by_container/工程能力容器化沙盘.pptx
+++ b/article/how_to_improve_software_testing_capablity_by_container/工程能力容器化沙盘.pptx
@@ -13,10 +13,11 @@
     <p:sldMasterId id="2147483761" r:id="rId9"/>
   </p:sldMasterIdLst>
   <p:notesMasterIdLst>
-    <p:notesMasterId r:id="rId11"/>
+    <p:notesMasterId r:id="rId12"/>
   </p:notesMasterIdLst>
   <p:sldIdLst>
     <p:sldId id="453" r:id="rId10"/>
+    <p:sldId id="454" r:id="rId11"/>
   </p:sldIdLst>
   <p:sldSz cx="9144000" cy="5143500" type="screen16x9"/>
   <p:notesSz cx="7099300" cy="10234613"/>
@@ -201,7 +202,7 @@
             <a:fld id="{F3516CB7-380A-4A21-A5FB-2D38DA0DEB81}" type="datetimeFigureOut">
               <a:rPr lang="zh-CN" altLang="en-US" smtClean="0"/>
               <a:pPr/>
-              <a:t>2016/12/30</a:t>
+              <a:t>2017/1/19</a:t>
             </a:fld>
             <a:endParaRPr lang="zh-CN" altLang="en-US"/>
           </a:p>
@@ -549,6 +550,88 @@
 </p:notes>
 </file>
 
+<file path=ppt/notesSlides/notesSlide2.xml><?xml version="1.0" encoding="utf-8"?>
+<p:notes xmlns:a="http://schemas.openxmlformats.org/drawingml/2006/main" xmlns:r="http://schemas.openxmlformats.org/officeDocument/2006/relationships" xmlns:p="http://schemas.openxmlformats.org/presentationml/2006/main">
+  <p:cSld>
+    <p:spTree>
+      <p:nvGrpSpPr>
+        <p:cNvPr id="1" name=""/>
+        <p:cNvGrpSpPr/>
+        <p:nvPr/>
+      </p:nvGrpSpPr>
+      <p:grpSpPr>
+        <a:xfrm>
+          <a:off x="0" y="0"/>
+          <a:ext cx="0" cy="0"/>
+          <a:chOff x="0" y="0"/>
+          <a:chExt cx="0" cy="0"/>
+        </a:xfrm>
+      </p:grpSpPr>
+      <p:sp>
+        <p:nvSpPr>
+          <p:cNvPr id="2" name="幻灯片图像占位符 1"/>
+          <p:cNvSpPr>
+            <a:spLocks noGrp="1" noRot="1" noChangeAspect="1"/>
+          </p:cNvSpPr>
+          <p:nvPr>
+            <p:ph type="sldImg"/>
+          </p:nvPr>
+        </p:nvSpPr>
+        <p:spPr/>
+      </p:sp>
+      <p:sp>
+        <p:nvSpPr>
+          <p:cNvPr id="3" name="备注占位符 2"/>
+          <p:cNvSpPr>
+            <a:spLocks noGrp="1"/>
+          </p:cNvSpPr>
+          <p:nvPr>
+            <p:ph type="body" idx="1"/>
+          </p:nvPr>
+        </p:nvSpPr>
+        <p:spPr/>
+        <p:txBody>
+          <a:bodyPr>
+            <a:normAutofit/>
+          </a:bodyPr>
+          <a:lstStyle/>
+          <a:p>
+            <a:endParaRPr lang="zh-CN" altLang="en-US" dirty="0"/>
+          </a:p>
+        </p:txBody>
+      </p:sp>
+      <p:sp>
+        <p:nvSpPr>
+          <p:cNvPr id="4" name="灯片编号占位符 3"/>
+          <p:cNvSpPr>
+            <a:spLocks noGrp="1"/>
+          </p:cNvSpPr>
+          <p:nvPr>
+            <p:ph type="sldNum" sz="quarter" idx="10"/>
+          </p:nvPr>
+        </p:nvSpPr>
+        <p:spPr/>
+        <p:txBody>
+          <a:bodyPr/>
+          <a:lstStyle/>
+          <a:p>
+            <a:fld id="{7056181B-E7E4-4104-ABFA-0EF65ED7050B}" type="slidenum">
+              <a:rPr lang="zh-CN" altLang="en-US" smtClean="0"/>
+              <a:pPr/>
+              <a:t>2</a:t>
+            </a:fld>
+            <a:endParaRPr lang="zh-CN" altLang="en-US"/>
+          </a:p>
+        </p:txBody>
+      </p:sp>
+    </p:spTree>
+  </p:cSld>
+  <p:clrMapOvr>
+    <a:masterClrMapping/>
+  </p:clrMapOvr>
+</p:notes>
+</file>
+
 <file path=ppt/slideLayouts/slideLayout1.xml><?xml version="1.0" encoding="utf-8"?>
 <p:sldLayout xmlns:a="http://schemas.openxmlformats.org/drawingml/2006/main" xmlns:r="http://schemas.openxmlformats.org/officeDocument/2006/relationships" xmlns:p="http://schemas.openxmlformats.org/presentationml/2006/main" type="title" preserve="1">
   <p:cSld name="Title Slide">
@@ -5214,7 +5297,7 @@
                 </a:solidFill>
               </a:rPr>
               <a:pPr/>
-              <a:t>2016/12/30</a:t>
+              <a:t>2017/1/19</a:t>
             </a:fld>
             <a:endParaRPr lang="en-US" altLang="zh-CN">
               <a:solidFill>
@@ -10664,7 +10747,7 @@
                 </a:solidFill>
               </a:rPr>
               <a:pPr/>
-              <a:t>2016/12/30</a:t>
+              <a:t>2017/1/19</a:t>
             </a:fld>
             <a:endParaRPr lang="en-US" altLang="zh-CN">
               <a:solidFill>
@@ -15224,7 +15307,7 @@
                 </a:solidFill>
               </a:rPr>
               <a:pPr/>
-              <a:t>2016/12/30</a:t>
+              <a:t>2017/1/19</a:t>
             </a:fld>
             <a:endParaRPr lang="en-US" altLang="zh-CN">
               <a:solidFill>
@@ -48848,6 +48931,4382 @@
   <p:clrMapOvr>
     <a:masterClrMapping/>
   </p:clrMapOvr>
+  <p:timing>
+    <p:tnLst>
+      <p:par>
+        <p:cTn id="1" dur="indefinite" restart="never" nodeType="tmRoot"/>
+      </p:par>
+    </p:tnLst>
+  </p:timing>
+</p:sld>
+</file>
+
+<file path=ppt/slides/slide2.xml><?xml version="1.0" encoding="utf-8"?>
+<p:sld xmlns:a="http://schemas.openxmlformats.org/drawingml/2006/main" xmlns:r="http://schemas.openxmlformats.org/officeDocument/2006/relationships" xmlns:p="http://schemas.openxmlformats.org/presentationml/2006/main">
+  <p:cSld>
+    <p:spTree>
+      <p:nvGrpSpPr>
+        <p:cNvPr id="1" name=""/>
+        <p:cNvGrpSpPr/>
+        <p:nvPr/>
+      </p:nvGrpSpPr>
+      <p:grpSpPr>
+        <a:xfrm>
+          <a:off x="0" y="0"/>
+          <a:ext cx="0" cy="0"/>
+          <a:chOff x="0" y="0"/>
+          <a:chExt cx="0" cy="0"/>
+        </a:xfrm>
+      </p:grpSpPr>
+      <p:sp>
+        <p:nvSpPr>
+          <p:cNvPr id="2" name="标题 1"/>
+          <p:cNvSpPr>
+            <a:spLocks noGrp="1"/>
+          </p:cNvSpPr>
+          <p:nvPr>
+            <p:ph type="title"/>
+          </p:nvPr>
+        </p:nvSpPr>
+        <p:spPr>
+          <a:xfrm>
+            <a:off x="539552" y="47971"/>
+            <a:ext cx="7992888" cy="579666"/>
+          </a:xfrm>
+        </p:spPr>
+        <p:txBody>
+          <a:bodyPr/>
+          <a:lstStyle/>
+          <a:p>
+            <a:pPr algn="ctr"/>
+            <a:r>
+              <a:rPr lang="en-US" altLang="zh-CN" sz="2000" dirty="0" smtClean="0"/>
+              <a:t>Sandbox of test engineering capacity containerization</a:t>
+            </a:r>
+            <a:endParaRPr lang="zh-CN" altLang="en-US" sz="2000" dirty="0"/>
+          </a:p>
+        </p:txBody>
+      </p:sp>
+      <p:sp>
+        <p:nvSpPr>
+          <p:cNvPr id="4" name="日期占位符 3"/>
+          <p:cNvSpPr>
+            <a:spLocks noGrp="1"/>
+          </p:cNvSpPr>
+          <p:nvPr>
+            <p:ph type="dt" sz="half" idx="10"/>
+          </p:nvPr>
+        </p:nvSpPr>
+        <p:spPr/>
+        <p:txBody>
+          <a:bodyPr/>
+          <a:lstStyle/>
+          <a:p>
+            <a:pPr>
+              <a:defRPr/>
+            </a:pPr>
+            <a:endParaRPr lang="de-DE" smtClean="0">
+              <a:solidFill>
+                <a:srgbClr val="000000"/>
+              </a:solidFill>
+            </a:endParaRPr>
+          </a:p>
+          <a:p>
+            <a:pPr>
+              <a:defRPr/>
+            </a:pPr>
+            <a:r>
+              <a:rPr lang="de-DE" smtClean="0">
+                <a:solidFill>
+                  <a:srgbClr val="000000"/>
+                </a:solidFill>
+              </a:rPr>
+              <a:t>Page </a:t>
+            </a:r>
+            <a:fld id="{D5E8E8DD-49BD-41DF-9BDF-0932466122C8}" type="slidenum">
+              <a:rPr lang="de-DE" smtClean="0">
+                <a:solidFill>
+                  <a:srgbClr val="000000"/>
+                </a:solidFill>
+              </a:rPr>
+              <a:pPr>
+                <a:defRPr/>
+              </a:pPr>
+              <a:t>2</a:t>
+            </a:fld>
+            <a:endParaRPr lang="en-GB" dirty="0">
+              <a:solidFill>
+                <a:srgbClr val="000000"/>
+              </a:solidFill>
+            </a:endParaRPr>
+          </a:p>
+        </p:txBody>
+      </p:sp>
+      <p:sp>
+        <p:nvSpPr>
+          <p:cNvPr id="94" name="AutoShape 5"/>
+          <p:cNvSpPr>
+            <a:spLocks noChangeArrowheads="1"/>
+          </p:cNvSpPr>
+          <p:nvPr/>
+        </p:nvSpPr>
+        <p:spPr bwMode="auto">
+          <a:xfrm>
+            <a:off x="1048569" y="3757998"/>
+            <a:ext cx="6907807" cy="360040"/>
+          </a:xfrm>
+          <a:prstGeom prst="roundRect">
+            <a:avLst>
+              <a:gd name="adj" fmla="val 16667"/>
+            </a:avLst>
+          </a:prstGeom>
+          <a:solidFill>
+            <a:schemeClr val="bg1">
+              <a:lumMod val="75000"/>
+            </a:schemeClr>
+          </a:solidFill>
+          <a:ln w="9525">
+            <a:noFill/>
+            <a:round/>
+            <a:headEnd/>
+            <a:tailEnd/>
+          </a:ln>
+          <a:effectLst>
+            <a:outerShdw blurRad="44450" dist="27940" dir="5400000" algn="ctr">
+              <a:srgbClr val="000000">
+                <a:alpha val="32000"/>
+              </a:srgbClr>
+            </a:outerShdw>
+          </a:effectLst>
+          <a:scene3d>
+            <a:camera prst="orthographicFront">
+              <a:rot lat="0" lon="0" rev="0"/>
+            </a:camera>
+            <a:lightRig rig="balanced" dir="t">
+              <a:rot lat="0" lon="0" rev="8700000"/>
+            </a:lightRig>
+          </a:scene3d>
+          <a:sp3d>
+            <a:bevelT w="190500" h="38100"/>
+          </a:sp3d>
+        </p:spPr>
+        <p:txBody>
+          <a:bodyPr wrap="none" lIns="117244" tIns="58622" rIns="117244" bIns="58622" anchor="ctr"/>
+          <a:lstStyle/>
+          <a:p>
+            <a:pPr algn="ctr"/>
+            <a:endParaRPr lang="zh-CN" altLang="en-US" sz="1000" dirty="0">
+              <a:latin typeface="微软雅黑" pitchFamily="34" charset="-122"/>
+              <a:ea typeface="微软雅黑" pitchFamily="34" charset="-122"/>
+            </a:endParaRPr>
+          </a:p>
+        </p:txBody>
+      </p:sp>
+      <p:sp>
+        <p:nvSpPr>
+          <p:cNvPr id="95" name="AutoShape 5"/>
+          <p:cNvSpPr>
+            <a:spLocks noChangeArrowheads="1"/>
+          </p:cNvSpPr>
+          <p:nvPr/>
+        </p:nvSpPr>
+        <p:spPr bwMode="auto">
+          <a:xfrm>
+            <a:off x="251520" y="3757998"/>
+            <a:ext cx="778000" cy="360040"/>
+          </a:xfrm>
+          <a:prstGeom prst="roundRect">
+            <a:avLst>
+              <a:gd name="adj" fmla="val 16667"/>
+            </a:avLst>
+          </a:prstGeom>
+          <a:solidFill>
+            <a:schemeClr val="bg1">
+              <a:lumMod val="75000"/>
+            </a:schemeClr>
+          </a:solidFill>
+          <a:ln w="9525">
+            <a:noFill/>
+            <a:round/>
+            <a:headEnd/>
+            <a:tailEnd/>
+          </a:ln>
+          <a:effectLst>
+            <a:outerShdw blurRad="44450" dist="27940" dir="5400000" algn="ctr">
+              <a:srgbClr val="000000">
+                <a:alpha val="32000"/>
+              </a:srgbClr>
+            </a:outerShdw>
+          </a:effectLst>
+          <a:scene3d>
+            <a:camera prst="orthographicFront">
+              <a:rot lat="0" lon="0" rev="0"/>
+            </a:camera>
+            <a:lightRig rig="balanced" dir="t">
+              <a:rot lat="0" lon="0" rev="8700000"/>
+            </a:lightRig>
+          </a:scene3d>
+          <a:sp3d>
+            <a:bevelT w="190500" h="38100"/>
+          </a:sp3d>
+        </p:spPr>
+        <p:txBody>
+          <a:bodyPr wrap="none" lIns="117244" tIns="58622" rIns="117244" bIns="58622" anchor="ctr"/>
+          <a:lstStyle/>
+          <a:p>
+            <a:pPr algn="ctr"/>
+            <a:r>
+              <a:rPr lang="en-US" altLang="zh-CN" sz="1000" smtClean="0">
+                <a:latin typeface="微软雅黑" pitchFamily="34" charset="-122"/>
+                <a:ea typeface="微软雅黑" pitchFamily="34" charset="-122"/>
+              </a:rPr>
+              <a:t>Hardware</a:t>
+            </a:r>
+            <a:endParaRPr lang="zh-CN" altLang="en-US" sz="1000" dirty="0">
+              <a:latin typeface="微软雅黑" pitchFamily="34" charset="-122"/>
+              <a:ea typeface="微软雅黑" pitchFamily="34" charset="-122"/>
+            </a:endParaRPr>
+          </a:p>
+        </p:txBody>
+      </p:sp>
+      <p:sp>
+        <p:nvSpPr>
+          <p:cNvPr id="98" name="AutoShape 5"/>
+          <p:cNvSpPr>
+            <a:spLocks noChangeArrowheads="1"/>
+          </p:cNvSpPr>
+          <p:nvPr/>
+        </p:nvSpPr>
+        <p:spPr bwMode="auto">
+          <a:xfrm>
+            <a:off x="1048569" y="3325950"/>
+            <a:ext cx="6907807" cy="360040"/>
+          </a:xfrm>
+          <a:prstGeom prst="roundRect">
+            <a:avLst>
+              <a:gd name="adj" fmla="val 16667"/>
+            </a:avLst>
+          </a:prstGeom>
+          <a:solidFill>
+            <a:schemeClr val="bg2">
+              <a:lumMod val="60000"/>
+              <a:lumOff val="40000"/>
+            </a:schemeClr>
+          </a:solidFill>
+          <a:ln w="9525">
+            <a:noFill/>
+            <a:round/>
+            <a:headEnd/>
+            <a:tailEnd/>
+          </a:ln>
+          <a:effectLst>
+            <a:outerShdw blurRad="44450" dist="27940" dir="5400000" algn="ctr">
+              <a:srgbClr val="000000">
+                <a:alpha val="32000"/>
+              </a:srgbClr>
+            </a:outerShdw>
+          </a:effectLst>
+          <a:scene3d>
+            <a:camera prst="orthographicFront">
+              <a:rot lat="0" lon="0" rev="0"/>
+            </a:camera>
+            <a:lightRig rig="balanced" dir="t">
+              <a:rot lat="0" lon="0" rev="8700000"/>
+            </a:lightRig>
+          </a:scene3d>
+          <a:sp3d>
+            <a:bevelT w="190500" h="38100"/>
+          </a:sp3d>
+        </p:spPr>
+        <p:txBody>
+          <a:bodyPr wrap="none" lIns="117244" tIns="58622" rIns="117244" bIns="58622" anchor="ctr"/>
+          <a:lstStyle/>
+          <a:p>
+            <a:pPr algn="ctr"/>
+            <a:endParaRPr lang="zh-CN" altLang="en-US" sz="1000" dirty="0">
+              <a:latin typeface="微软雅黑" pitchFamily="34" charset="-122"/>
+              <a:ea typeface="微软雅黑" pitchFamily="34" charset="-122"/>
+            </a:endParaRPr>
+          </a:p>
+        </p:txBody>
+      </p:sp>
+      <p:sp>
+        <p:nvSpPr>
+          <p:cNvPr id="99" name="AutoShape 5"/>
+          <p:cNvSpPr>
+            <a:spLocks noChangeArrowheads="1"/>
+          </p:cNvSpPr>
+          <p:nvPr/>
+        </p:nvSpPr>
+        <p:spPr bwMode="auto">
+          <a:xfrm>
+            <a:off x="251520" y="3334078"/>
+            <a:ext cx="778000" cy="351912"/>
+          </a:xfrm>
+          <a:prstGeom prst="roundRect">
+            <a:avLst>
+              <a:gd name="adj" fmla="val 16667"/>
+            </a:avLst>
+          </a:prstGeom>
+          <a:solidFill>
+            <a:schemeClr val="bg2">
+              <a:lumMod val="60000"/>
+              <a:lumOff val="40000"/>
+            </a:schemeClr>
+          </a:solidFill>
+          <a:ln w="9525">
+            <a:noFill/>
+            <a:round/>
+            <a:headEnd/>
+            <a:tailEnd/>
+          </a:ln>
+          <a:effectLst>
+            <a:outerShdw blurRad="44450" dist="27940" dir="5400000" algn="ctr">
+              <a:srgbClr val="000000">
+                <a:alpha val="32000"/>
+              </a:srgbClr>
+            </a:outerShdw>
+          </a:effectLst>
+          <a:scene3d>
+            <a:camera prst="orthographicFront">
+              <a:rot lat="0" lon="0" rev="0"/>
+            </a:camera>
+            <a:lightRig rig="balanced" dir="t">
+              <a:rot lat="0" lon="0" rev="8700000"/>
+            </a:lightRig>
+          </a:scene3d>
+          <a:sp3d>
+            <a:bevelT w="190500" h="38100"/>
+          </a:sp3d>
+        </p:spPr>
+        <p:txBody>
+          <a:bodyPr wrap="none" lIns="117244" tIns="58622" rIns="117244" bIns="58622" anchor="ctr"/>
+          <a:lstStyle/>
+          <a:p>
+            <a:pPr algn="ctr"/>
+            <a:r>
+              <a:rPr lang="en-US" altLang="zh-CN" sz="1000" dirty="0" smtClean="0">
+                <a:latin typeface="微软雅黑" pitchFamily="34" charset="-122"/>
+                <a:ea typeface="微软雅黑" pitchFamily="34" charset="-122"/>
+              </a:rPr>
+              <a:t>Kernel</a:t>
+            </a:r>
+            <a:endParaRPr lang="zh-CN" altLang="en-US" sz="1000" dirty="0">
+              <a:latin typeface="微软雅黑" pitchFamily="34" charset="-122"/>
+              <a:ea typeface="微软雅黑" pitchFamily="34" charset="-122"/>
+            </a:endParaRPr>
+          </a:p>
+        </p:txBody>
+      </p:sp>
+      <p:sp>
+        <p:nvSpPr>
+          <p:cNvPr id="101" name="AutoShape 5"/>
+          <p:cNvSpPr>
+            <a:spLocks noChangeArrowheads="1"/>
+          </p:cNvSpPr>
+          <p:nvPr/>
+        </p:nvSpPr>
+        <p:spPr bwMode="auto">
+          <a:xfrm>
+            <a:off x="1048569" y="2749886"/>
+            <a:ext cx="6907807" cy="432048"/>
+          </a:xfrm>
+          <a:prstGeom prst="roundRect">
+            <a:avLst>
+              <a:gd name="adj" fmla="val 16667"/>
+            </a:avLst>
+          </a:prstGeom>
+          <a:solidFill>
+            <a:schemeClr val="accent6">
+              <a:lumMod val="20000"/>
+              <a:lumOff val="80000"/>
+            </a:schemeClr>
+          </a:solidFill>
+          <a:ln w="9525">
+            <a:noFill/>
+            <a:round/>
+            <a:headEnd/>
+            <a:tailEnd/>
+          </a:ln>
+          <a:effectLst>
+            <a:outerShdw blurRad="44450" dist="27940" dir="5400000" algn="ctr">
+              <a:srgbClr val="000000">
+                <a:alpha val="32000"/>
+              </a:srgbClr>
+            </a:outerShdw>
+          </a:effectLst>
+          <a:scene3d>
+            <a:camera prst="orthographicFront">
+              <a:rot lat="0" lon="0" rev="0"/>
+            </a:camera>
+            <a:lightRig rig="balanced" dir="t">
+              <a:rot lat="0" lon="0" rev="8700000"/>
+            </a:lightRig>
+          </a:scene3d>
+          <a:sp3d>
+            <a:bevelT w="190500" h="38100"/>
+          </a:sp3d>
+        </p:spPr>
+        <p:txBody>
+          <a:bodyPr wrap="none" lIns="117244" tIns="58622" rIns="117244" bIns="58622" anchor="ctr"/>
+          <a:lstStyle/>
+          <a:p>
+            <a:pPr algn="ctr"/>
+            <a:endParaRPr lang="zh-CN" altLang="en-US" sz="1000" dirty="0">
+              <a:latin typeface="微软雅黑" pitchFamily="34" charset="-122"/>
+              <a:ea typeface="微软雅黑" pitchFamily="34" charset="-122"/>
+            </a:endParaRPr>
+          </a:p>
+        </p:txBody>
+      </p:sp>
+      <p:sp>
+        <p:nvSpPr>
+          <p:cNvPr id="102" name="AutoShape 5"/>
+          <p:cNvSpPr>
+            <a:spLocks noChangeArrowheads="1"/>
+          </p:cNvSpPr>
+          <p:nvPr/>
+        </p:nvSpPr>
+        <p:spPr bwMode="auto">
+          <a:xfrm>
+            <a:off x="251520" y="2759638"/>
+            <a:ext cx="778000" cy="422295"/>
+          </a:xfrm>
+          <a:prstGeom prst="roundRect">
+            <a:avLst>
+              <a:gd name="adj" fmla="val 16667"/>
+            </a:avLst>
+          </a:prstGeom>
+          <a:solidFill>
+            <a:schemeClr val="accent6">
+              <a:lumMod val="20000"/>
+              <a:lumOff val="80000"/>
+            </a:schemeClr>
+          </a:solidFill>
+          <a:ln w="9525">
+            <a:noFill/>
+            <a:round/>
+            <a:headEnd/>
+            <a:tailEnd/>
+          </a:ln>
+          <a:effectLst>
+            <a:outerShdw blurRad="44450" dist="27940" dir="5400000" algn="ctr">
+              <a:srgbClr val="000000">
+                <a:alpha val="32000"/>
+              </a:srgbClr>
+            </a:outerShdw>
+          </a:effectLst>
+          <a:scene3d>
+            <a:camera prst="orthographicFront">
+              <a:rot lat="0" lon="0" rev="0"/>
+            </a:camera>
+            <a:lightRig rig="balanced" dir="t">
+              <a:rot lat="0" lon="0" rev="8700000"/>
+            </a:lightRig>
+          </a:scene3d>
+          <a:sp3d>
+            <a:bevelT w="190500" h="38100"/>
+          </a:sp3d>
+        </p:spPr>
+        <p:txBody>
+          <a:bodyPr wrap="none" lIns="117244" tIns="58622" rIns="117244" bIns="58622" anchor="ctr"/>
+          <a:lstStyle/>
+          <a:p>
+            <a:pPr algn="ctr"/>
+            <a:r>
+              <a:rPr lang="en-US" altLang="zh-CN" sz="1000" dirty="0" smtClean="0">
+                <a:latin typeface="微软雅黑" pitchFamily="34" charset="-122"/>
+                <a:ea typeface="微软雅黑" pitchFamily="34" charset="-122"/>
+              </a:rPr>
+              <a:t>Middle</a:t>
+            </a:r>
+          </a:p>
+          <a:p>
+            <a:pPr algn="ctr"/>
+            <a:r>
+              <a:rPr lang="en-US" altLang="zh-CN" sz="1000" dirty="0" smtClean="0">
+                <a:latin typeface="微软雅黑" pitchFamily="34" charset="-122"/>
+                <a:ea typeface="微软雅黑" pitchFamily="34" charset="-122"/>
+              </a:rPr>
+              <a:t>layer</a:t>
+            </a:r>
+            <a:endParaRPr lang="zh-CN" altLang="en-US" sz="1000" dirty="0">
+              <a:latin typeface="微软雅黑" pitchFamily="34" charset="-122"/>
+              <a:ea typeface="微软雅黑" pitchFamily="34" charset="-122"/>
+            </a:endParaRPr>
+          </a:p>
+        </p:txBody>
+      </p:sp>
+      <p:sp>
+        <p:nvSpPr>
+          <p:cNvPr id="103" name="AutoShape 5"/>
+          <p:cNvSpPr>
+            <a:spLocks noChangeArrowheads="1"/>
+          </p:cNvSpPr>
+          <p:nvPr/>
+        </p:nvSpPr>
+        <p:spPr bwMode="auto">
+          <a:xfrm>
+            <a:off x="1048569" y="2214766"/>
+            <a:ext cx="6907807" cy="432048"/>
+          </a:xfrm>
+          <a:prstGeom prst="roundRect">
+            <a:avLst>
+              <a:gd name="adj" fmla="val 16667"/>
+            </a:avLst>
+          </a:prstGeom>
+          <a:solidFill>
+            <a:schemeClr val="accent3">
+              <a:lumMod val="40000"/>
+              <a:lumOff val="60000"/>
+            </a:schemeClr>
+          </a:solidFill>
+          <a:ln w="9525">
+            <a:noFill/>
+            <a:round/>
+            <a:headEnd/>
+            <a:tailEnd/>
+          </a:ln>
+          <a:effectLst>
+            <a:outerShdw blurRad="44450" dist="27940" dir="5400000" algn="ctr">
+              <a:srgbClr val="000000">
+                <a:alpha val="32000"/>
+              </a:srgbClr>
+            </a:outerShdw>
+          </a:effectLst>
+          <a:scene3d>
+            <a:camera prst="orthographicFront">
+              <a:rot lat="0" lon="0" rev="0"/>
+            </a:camera>
+            <a:lightRig rig="balanced" dir="t">
+              <a:rot lat="0" lon="0" rev="8700000"/>
+            </a:lightRig>
+          </a:scene3d>
+          <a:sp3d>
+            <a:bevelT w="190500" h="38100"/>
+          </a:sp3d>
+        </p:spPr>
+        <p:txBody>
+          <a:bodyPr wrap="none" lIns="117244" tIns="58622" rIns="117244" bIns="58622" anchor="ctr"/>
+          <a:lstStyle/>
+          <a:p>
+            <a:pPr algn="ctr"/>
+            <a:endParaRPr lang="zh-CN" altLang="en-US" sz="1000" dirty="0">
+              <a:latin typeface="微软雅黑" pitchFamily="34" charset="-122"/>
+              <a:ea typeface="微软雅黑" pitchFamily="34" charset="-122"/>
+            </a:endParaRPr>
+          </a:p>
+        </p:txBody>
+      </p:sp>
+      <p:sp>
+        <p:nvSpPr>
+          <p:cNvPr id="104" name="AutoShape 5"/>
+          <p:cNvSpPr>
+            <a:spLocks noChangeArrowheads="1"/>
+          </p:cNvSpPr>
+          <p:nvPr/>
+        </p:nvSpPr>
+        <p:spPr bwMode="auto">
+          <a:xfrm>
+            <a:off x="251520" y="2224518"/>
+            <a:ext cx="778000" cy="422295"/>
+          </a:xfrm>
+          <a:prstGeom prst="roundRect">
+            <a:avLst>
+              <a:gd name="adj" fmla="val 16667"/>
+            </a:avLst>
+          </a:prstGeom>
+          <a:solidFill>
+            <a:schemeClr val="accent3">
+              <a:lumMod val="40000"/>
+              <a:lumOff val="60000"/>
+            </a:schemeClr>
+          </a:solidFill>
+          <a:ln w="9525">
+            <a:noFill/>
+            <a:round/>
+            <a:headEnd/>
+            <a:tailEnd/>
+          </a:ln>
+          <a:effectLst>
+            <a:outerShdw blurRad="44450" dist="27940" dir="5400000" algn="ctr">
+              <a:srgbClr val="000000">
+                <a:alpha val="32000"/>
+              </a:srgbClr>
+            </a:outerShdw>
+          </a:effectLst>
+          <a:scene3d>
+            <a:camera prst="orthographicFront">
+              <a:rot lat="0" lon="0" rev="0"/>
+            </a:camera>
+            <a:lightRig rig="balanced" dir="t">
+              <a:rot lat="0" lon="0" rev="8700000"/>
+            </a:lightRig>
+          </a:scene3d>
+          <a:sp3d>
+            <a:bevelT w="190500" h="38100"/>
+          </a:sp3d>
+        </p:spPr>
+        <p:txBody>
+          <a:bodyPr wrap="none" lIns="117244" tIns="58622" rIns="117244" bIns="58622" anchor="ctr"/>
+          <a:lstStyle/>
+          <a:p>
+            <a:pPr algn="ctr"/>
+            <a:r>
+              <a:rPr lang="en-US" altLang="zh-CN" sz="1000" dirty="0" err="1" smtClean="0">
+                <a:latin typeface="微软雅黑" pitchFamily="34" charset="-122"/>
+                <a:ea typeface="微软雅黑" pitchFamily="34" charset="-122"/>
+              </a:rPr>
+              <a:t>Appliction</a:t>
+            </a:r>
+            <a:endParaRPr lang="en-US" altLang="zh-CN" sz="1000" dirty="0" smtClean="0">
+              <a:latin typeface="微软雅黑" pitchFamily="34" charset="-122"/>
+              <a:ea typeface="微软雅黑" pitchFamily="34" charset="-122"/>
+            </a:endParaRPr>
+          </a:p>
+          <a:p>
+            <a:pPr algn="ctr"/>
+            <a:r>
+              <a:rPr lang="en-US" altLang="zh-CN" sz="1000" dirty="0" smtClean="0">
+                <a:latin typeface="微软雅黑" pitchFamily="34" charset="-122"/>
+                <a:ea typeface="微软雅黑" pitchFamily="34" charset="-122"/>
+              </a:rPr>
+              <a:t>layer</a:t>
+            </a:r>
+            <a:endParaRPr lang="zh-CN" altLang="en-US" sz="1000" dirty="0">
+              <a:latin typeface="微软雅黑" pitchFamily="34" charset="-122"/>
+              <a:ea typeface="微软雅黑" pitchFamily="34" charset="-122"/>
+            </a:endParaRPr>
+          </a:p>
+        </p:txBody>
+      </p:sp>
+      <p:sp>
+        <p:nvSpPr>
+          <p:cNvPr id="105" name="AutoShape 5"/>
+          <p:cNvSpPr>
+            <a:spLocks noChangeArrowheads="1"/>
+          </p:cNvSpPr>
+          <p:nvPr/>
+        </p:nvSpPr>
+        <p:spPr bwMode="auto">
+          <a:xfrm>
+            <a:off x="1048569" y="1690238"/>
+            <a:ext cx="6907807" cy="432048"/>
+          </a:xfrm>
+          <a:prstGeom prst="roundRect">
+            <a:avLst>
+              <a:gd name="adj" fmla="val 16667"/>
+            </a:avLst>
+          </a:prstGeom>
+          <a:solidFill>
+            <a:schemeClr val="tx2">
+              <a:lumMod val="40000"/>
+              <a:lumOff val="60000"/>
+            </a:schemeClr>
+          </a:solidFill>
+          <a:ln w="9525">
+            <a:noFill/>
+            <a:round/>
+            <a:headEnd/>
+            <a:tailEnd/>
+          </a:ln>
+          <a:effectLst>
+            <a:outerShdw blurRad="44450" dist="27940" dir="5400000" algn="ctr">
+              <a:srgbClr val="000000">
+                <a:alpha val="32000"/>
+              </a:srgbClr>
+            </a:outerShdw>
+          </a:effectLst>
+          <a:scene3d>
+            <a:camera prst="orthographicFront">
+              <a:rot lat="0" lon="0" rev="0"/>
+            </a:camera>
+            <a:lightRig rig="balanced" dir="t">
+              <a:rot lat="0" lon="0" rev="8700000"/>
+            </a:lightRig>
+          </a:scene3d>
+          <a:sp3d>
+            <a:bevelT w="190500" h="38100"/>
+          </a:sp3d>
+        </p:spPr>
+        <p:txBody>
+          <a:bodyPr wrap="none" lIns="117244" tIns="58622" rIns="117244" bIns="58622" anchor="ctr"/>
+          <a:lstStyle/>
+          <a:p>
+            <a:pPr algn="ctr"/>
+            <a:endParaRPr lang="zh-CN" altLang="en-US" sz="1000" dirty="0">
+              <a:latin typeface="微软雅黑" pitchFamily="34" charset="-122"/>
+              <a:ea typeface="微软雅黑" pitchFamily="34" charset="-122"/>
+            </a:endParaRPr>
+          </a:p>
+        </p:txBody>
+      </p:sp>
+      <p:sp>
+        <p:nvSpPr>
+          <p:cNvPr id="106" name="AutoShape 5"/>
+          <p:cNvSpPr>
+            <a:spLocks noChangeArrowheads="1"/>
+          </p:cNvSpPr>
+          <p:nvPr/>
+        </p:nvSpPr>
+        <p:spPr bwMode="auto">
+          <a:xfrm>
+            <a:off x="251520" y="1699990"/>
+            <a:ext cx="778000" cy="422295"/>
+          </a:xfrm>
+          <a:prstGeom prst="roundRect">
+            <a:avLst>
+              <a:gd name="adj" fmla="val 16667"/>
+            </a:avLst>
+          </a:prstGeom>
+          <a:solidFill>
+            <a:schemeClr val="tx2">
+              <a:lumMod val="40000"/>
+              <a:lumOff val="60000"/>
+            </a:schemeClr>
+          </a:solidFill>
+          <a:ln w="9525">
+            <a:noFill/>
+            <a:round/>
+            <a:headEnd/>
+            <a:tailEnd/>
+          </a:ln>
+          <a:effectLst>
+            <a:outerShdw blurRad="44450" dist="27940" dir="5400000" algn="ctr">
+              <a:srgbClr val="000000">
+                <a:alpha val="32000"/>
+              </a:srgbClr>
+            </a:outerShdw>
+          </a:effectLst>
+          <a:scene3d>
+            <a:camera prst="orthographicFront">
+              <a:rot lat="0" lon="0" rev="0"/>
+            </a:camera>
+            <a:lightRig rig="balanced" dir="t">
+              <a:rot lat="0" lon="0" rev="8700000"/>
+            </a:lightRig>
+          </a:scene3d>
+          <a:sp3d>
+            <a:bevelT w="190500" h="38100"/>
+          </a:sp3d>
+        </p:spPr>
+        <p:txBody>
+          <a:bodyPr wrap="none" lIns="117244" tIns="58622" rIns="117244" bIns="58622" anchor="ctr"/>
+          <a:lstStyle/>
+          <a:p>
+            <a:pPr algn="ctr"/>
+            <a:r>
+              <a:rPr lang="en-US" altLang="zh-CN" sz="1000" dirty="0" smtClean="0">
+                <a:latin typeface="微软雅黑" pitchFamily="34" charset="-122"/>
+                <a:ea typeface="微软雅黑" pitchFamily="34" charset="-122"/>
+              </a:rPr>
+              <a:t>Source code</a:t>
+            </a:r>
+            <a:endParaRPr lang="zh-CN" altLang="en-US" sz="1000" dirty="0">
+              <a:latin typeface="微软雅黑" pitchFamily="34" charset="-122"/>
+              <a:ea typeface="微软雅黑" pitchFamily="34" charset="-122"/>
+            </a:endParaRPr>
+          </a:p>
+        </p:txBody>
+      </p:sp>
+      <p:sp>
+        <p:nvSpPr>
+          <p:cNvPr id="107" name="AutoShape 5"/>
+          <p:cNvSpPr>
+            <a:spLocks noChangeArrowheads="1"/>
+          </p:cNvSpPr>
+          <p:nvPr/>
+        </p:nvSpPr>
+        <p:spPr bwMode="auto">
+          <a:xfrm>
+            <a:off x="1048569" y="1165710"/>
+            <a:ext cx="6907807" cy="432048"/>
+          </a:xfrm>
+          <a:prstGeom prst="roundRect">
+            <a:avLst>
+              <a:gd name="adj" fmla="val 16667"/>
+            </a:avLst>
+          </a:prstGeom>
+          <a:solidFill>
+            <a:schemeClr val="accent2">
+              <a:lumMod val="20000"/>
+              <a:lumOff val="80000"/>
+            </a:schemeClr>
+          </a:solidFill>
+          <a:ln w="9525">
+            <a:noFill/>
+            <a:round/>
+            <a:headEnd/>
+            <a:tailEnd/>
+          </a:ln>
+          <a:effectLst>
+            <a:outerShdw blurRad="44450" dist="27940" dir="5400000" algn="ctr">
+              <a:srgbClr val="000000">
+                <a:alpha val="32000"/>
+              </a:srgbClr>
+            </a:outerShdw>
+          </a:effectLst>
+          <a:scene3d>
+            <a:camera prst="orthographicFront">
+              <a:rot lat="0" lon="0" rev="0"/>
+            </a:camera>
+            <a:lightRig rig="balanced" dir="t">
+              <a:rot lat="0" lon="0" rev="8700000"/>
+            </a:lightRig>
+          </a:scene3d>
+          <a:sp3d>
+            <a:bevelT w="190500" h="38100"/>
+          </a:sp3d>
+        </p:spPr>
+        <p:txBody>
+          <a:bodyPr wrap="none" lIns="117244" tIns="58622" rIns="117244" bIns="58622" anchor="ctr"/>
+          <a:lstStyle/>
+          <a:p>
+            <a:pPr algn="ctr"/>
+            <a:endParaRPr lang="zh-CN" altLang="en-US" sz="1000" dirty="0">
+              <a:latin typeface="微软雅黑" pitchFamily="34" charset="-122"/>
+              <a:ea typeface="微软雅黑" pitchFamily="34" charset="-122"/>
+            </a:endParaRPr>
+          </a:p>
+        </p:txBody>
+      </p:sp>
+      <p:sp>
+        <p:nvSpPr>
+          <p:cNvPr id="108" name="AutoShape 5"/>
+          <p:cNvSpPr>
+            <a:spLocks noChangeArrowheads="1"/>
+          </p:cNvSpPr>
+          <p:nvPr/>
+        </p:nvSpPr>
+        <p:spPr bwMode="auto">
+          <a:xfrm>
+            <a:off x="251520" y="1175462"/>
+            <a:ext cx="778000" cy="422295"/>
+          </a:xfrm>
+          <a:prstGeom prst="roundRect">
+            <a:avLst>
+              <a:gd name="adj" fmla="val 16667"/>
+            </a:avLst>
+          </a:prstGeom>
+          <a:solidFill>
+            <a:schemeClr val="accent2">
+              <a:lumMod val="20000"/>
+              <a:lumOff val="80000"/>
+            </a:schemeClr>
+          </a:solidFill>
+          <a:ln w="9525">
+            <a:noFill/>
+            <a:round/>
+            <a:headEnd/>
+            <a:tailEnd/>
+          </a:ln>
+          <a:effectLst>
+            <a:outerShdw blurRad="44450" dist="27940" dir="5400000" algn="ctr">
+              <a:srgbClr val="000000">
+                <a:alpha val="32000"/>
+              </a:srgbClr>
+            </a:outerShdw>
+          </a:effectLst>
+          <a:scene3d>
+            <a:camera prst="orthographicFront">
+              <a:rot lat="0" lon="0" rev="0"/>
+            </a:camera>
+            <a:lightRig rig="balanced" dir="t">
+              <a:rot lat="0" lon="0" rev="8700000"/>
+            </a:lightRig>
+          </a:scene3d>
+          <a:sp3d>
+            <a:bevelT w="190500" h="38100"/>
+          </a:sp3d>
+        </p:spPr>
+        <p:txBody>
+          <a:bodyPr wrap="none" lIns="117244" tIns="58622" rIns="117244" bIns="58622" anchor="ctr"/>
+          <a:lstStyle/>
+          <a:p>
+            <a:pPr algn="ctr"/>
+            <a:r>
+              <a:rPr lang="en-US" altLang="zh-CN" sz="1000" dirty="0" smtClean="0">
+                <a:latin typeface="微软雅黑" pitchFamily="34" charset="-122"/>
+                <a:ea typeface="微软雅黑" pitchFamily="34" charset="-122"/>
+              </a:rPr>
+              <a:t>Test tools</a:t>
+            </a:r>
+            <a:endParaRPr lang="zh-CN" altLang="en-US" sz="1000" dirty="0">
+              <a:latin typeface="微软雅黑" pitchFamily="34" charset="-122"/>
+              <a:ea typeface="微软雅黑" pitchFamily="34" charset="-122"/>
+            </a:endParaRPr>
+          </a:p>
+        </p:txBody>
+      </p:sp>
+      <p:sp>
+        <p:nvSpPr>
+          <p:cNvPr id="109" name="圆角矩形 108"/>
+          <p:cNvSpPr/>
+          <p:nvPr/>
+        </p:nvSpPr>
+        <p:spPr bwMode="auto">
+          <a:xfrm>
+            <a:off x="1192585" y="805670"/>
+            <a:ext cx="720080" cy="3384376"/>
+          </a:xfrm>
+          <a:prstGeom prst="roundRect">
+            <a:avLst/>
+          </a:prstGeom>
+          <a:noFill/>
+          <a:ln w="6350" cap="flat" cmpd="sng" algn="ctr">
+            <a:solidFill>
+              <a:schemeClr val="tx1"/>
+            </a:solidFill>
+            <a:prstDash val="solid"/>
+            <a:round/>
+            <a:headEnd type="none" w="med" len="med"/>
+            <a:tailEnd type="none" w="med" len="med"/>
+          </a:ln>
+          <a:effectLst/>
+        </p:spPr>
+        <p:txBody>
+          <a:bodyPr vert="horz" wrap="square" lIns="79200" tIns="39600" rIns="79200" bIns="39600" numCol="1" rtlCol="0" anchor="t" anchorCtr="0" compatLnSpc="1">
+            <a:prstTxWarp prst="textNoShape">
+              <a:avLst/>
+            </a:prstTxWarp>
+            <a:noAutofit/>
+          </a:bodyPr>
+          <a:lstStyle/>
+          <a:p>
+            <a:pPr algn="ctr"/>
+            <a:endParaRPr lang="zh-CN" altLang="en-US" sz="1200" dirty="0" smtClean="0">
+              <a:latin typeface="微软雅黑" panose="020B0503020204020204" pitchFamily="34" charset="-122"/>
+              <a:ea typeface="微软雅黑" panose="020B0503020204020204" pitchFamily="34" charset="-122"/>
+            </a:endParaRPr>
+          </a:p>
+        </p:txBody>
+      </p:sp>
+      <p:sp>
+        <p:nvSpPr>
+          <p:cNvPr id="118" name="AutoShape 5"/>
+          <p:cNvSpPr>
+            <a:spLocks noChangeArrowheads="1"/>
+          </p:cNvSpPr>
+          <p:nvPr/>
+        </p:nvSpPr>
+        <p:spPr bwMode="auto">
+          <a:xfrm>
+            <a:off x="1264593" y="661654"/>
+            <a:ext cx="561976" cy="422295"/>
+          </a:xfrm>
+          <a:prstGeom prst="roundRect">
+            <a:avLst>
+              <a:gd name="adj" fmla="val 16667"/>
+            </a:avLst>
+          </a:prstGeom>
+          <a:solidFill>
+            <a:schemeClr val="accent2">
+              <a:lumMod val="40000"/>
+              <a:lumOff val="60000"/>
+            </a:schemeClr>
+          </a:solidFill>
+          <a:ln w="9525">
+            <a:noFill/>
+            <a:round/>
+            <a:headEnd/>
+            <a:tailEnd/>
+          </a:ln>
+          <a:effectLst>
+            <a:outerShdw blurRad="44450" dist="27940" dir="5400000" algn="ctr">
+              <a:srgbClr val="000000">
+                <a:alpha val="32000"/>
+              </a:srgbClr>
+            </a:outerShdw>
+          </a:effectLst>
+          <a:scene3d>
+            <a:camera prst="orthographicFront">
+              <a:rot lat="0" lon="0" rev="0"/>
+            </a:camera>
+            <a:lightRig rig="balanced" dir="t">
+              <a:rot lat="0" lon="0" rev="8700000"/>
+            </a:lightRig>
+          </a:scene3d>
+          <a:sp3d>
+            <a:bevelT w="190500" h="38100"/>
+          </a:sp3d>
+        </p:spPr>
+        <p:txBody>
+          <a:bodyPr wrap="none" lIns="117244" tIns="58622" rIns="117244" bIns="58622" anchor="ctr"/>
+          <a:lstStyle/>
+          <a:p>
+            <a:pPr algn="ctr"/>
+            <a:r>
+              <a:rPr lang="en-US" altLang="zh-CN" sz="1000" dirty="0" smtClean="0">
+                <a:latin typeface="微软雅黑" pitchFamily="34" charset="-122"/>
+                <a:ea typeface="微软雅黑" pitchFamily="34" charset="-122"/>
+              </a:rPr>
+              <a:t>Server </a:t>
+            </a:r>
+            <a:r>
+              <a:rPr lang="en-US" altLang="zh-CN" sz="1000" dirty="0" err="1" smtClean="0">
+                <a:latin typeface="微软雅黑" pitchFamily="34" charset="-122"/>
+                <a:ea typeface="微软雅黑" pitchFamily="34" charset="-122"/>
+              </a:rPr>
+              <a:t>os</a:t>
+            </a:r>
+            <a:endParaRPr lang="zh-CN" altLang="en-US" sz="1000" dirty="0">
+              <a:latin typeface="微软雅黑" pitchFamily="34" charset="-122"/>
+              <a:ea typeface="微软雅黑" pitchFamily="34" charset="-122"/>
+            </a:endParaRPr>
+          </a:p>
+        </p:txBody>
+      </p:sp>
+      <p:sp>
+        <p:nvSpPr>
+          <p:cNvPr id="119" name="圆角矩形 118"/>
+          <p:cNvSpPr/>
+          <p:nvPr/>
+        </p:nvSpPr>
+        <p:spPr bwMode="auto">
+          <a:xfrm>
+            <a:off x="2195736" y="805670"/>
+            <a:ext cx="720080" cy="3384376"/>
+          </a:xfrm>
+          <a:prstGeom prst="roundRect">
+            <a:avLst/>
+          </a:prstGeom>
+          <a:noFill/>
+          <a:ln w="6350" cap="flat" cmpd="sng" algn="ctr">
+            <a:solidFill>
+              <a:schemeClr val="tx1"/>
+            </a:solidFill>
+            <a:prstDash val="solid"/>
+            <a:round/>
+            <a:headEnd type="none" w="med" len="med"/>
+            <a:tailEnd type="none" w="med" len="med"/>
+          </a:ln>
+          <a:effectLst/>
+        </p:spPr>
+        <p:txBody>
+          <a:bodyPr vert="horz" wrap="square" lIns="79200" tIns="39600" rIns="79200" bIns="39600" numCol="1" rtlCol="0" anchor="t" anchorCtr="0" compatLnSpc="1">
+            <a:prstTxWarp prst="textNoShape">
+              <a:avLst/>
+            </a:prstTxWarp>
+            <a:noAutofit/>
+          </a:bodyPr>
+          <a:lstStyle/>
+          <a:p>
+            <a:pPr algn="ctr"/>
+            <a:endParaRPr lang="zh-CN" altLang="en-US" sz="1200" dirty="0" smtClean="0">
+              <a:latin typeface="微软雅黑" panose="020B0503020204020204" pitchFamily="34" charset="-122"/>
+              <a:ea typeface="微软雅黑" panose="020B0503020204020204" pitchFamily="34" charset="-122"/>
+            </a:endParaRPr>
+          </a:p>
+        </p:txBody>
+      </p:sp>
+      <p:sp>
+        <p:nvSpPr>
+          <p:cNvPr id="120" name="AutoShape 5"/>
+          <p:cNvSpPr>
+            <a:spLocks noChangeArrowheads="1"/>
+          </p:cNvSpPr>
+          <p:nvPr/>
+        </p:nvSpPr>
+        <p:spPr bwMode="auto">
+          <a:xfrm>
+            <a:off x="2267744" y="661654"/>
+            <a:ext cx="561976" cy="422295"/>
+          </a:xfrm>
+          <a:prstGeom prst="roundRect">
+            <a:avLst>
+              <a:gd name="adj" fmla="val 16667"/>
+            </a:avLst>
+          </a:prstGeom>
+          <a:solidFill>
+            <a:schemeClr val="accent2">
+              <a:lumMod val="40000"/>
+              <a:lumOff val="60000"/>
+            </a:schemeClr>
+          </a:solidFill>
+          <a:ln w="9525">
+            <a:noFill/>
+            <a:round/>
+            <a:headEnd/>
+            <a:tailEnd/>
+          </a:ln>
+          <a:effectLst>
+            <a:outerShdw blurRad="44450" dist="27940" dir="5400000" algn="ctr">
+              <a:srgbClr val="000000">
+                <a:alpha val="32000"/>
+              </a:srgbClr>
+            </a:outerShdw>
+          </a:effectLst>
+          <a:scene3d>
+            <a:camera prst="orthographicFront">
+              <a:rot lat="0" lon="0" rev="0"/>
+            </a:camera>
+            <a:lightRig rig="balanced" dir="t">
+              <a:rot lat="0" lon="0" rev="8700000"/>
+            </a:lightRig>
+          </a:scene3d>
+          <a:sp3d>
+            <a:bevelT w="190500" h="38100"/>
+          </a:sp3d>
+        </p:spPr>
+        <p:txBody>
+          <a:bodyPr wrap="none" lIns="117244" tIns="58622" rIns="117244" bIns="58622" anchor="ctr"/>
+          <a:lstStyle/>
+          <a:p>
+            <a:pPr algn="ctr"/>
+            <a:r>
+              <a:rPr lang="en-US" altLang="zh-CN" sz="800" dirty="0" err="1" smtClean="0">
+                <a:latin typeface="微软雅黑" pitchFamily="34" charset="-122"/>
+                <a:ea typeface="微软雅黑" pitchFamily="34" charset="-122"/>
+              </a:rPr>
+              <a:t>Virtualiztion</a:t>
+            </a:r>
+            <a:endParaRPr lang="zh-CN" altLang="en-US" sz="1000" dirty="0">
+              <a:latin typeface="微软雅黑" pitchFamily="34" charset="-122"/>
+              <a:ea typeface="微软雅黑" pitchFamily="34" charset="-122"/>
+            </a:endParaRPr>
+          </a:p>
+        </p:txBody>
+      </p:sp>
+      <p:sp>
+        <p:nvSpPr>
+          <p:cNvPr id="121" name="圆角矩形 120"/>
+          <p:cNvSpPr/>
+          <p:nvPr/>
+        </p:nvSpPr>
+        <p:spPr bwMode="auto">
+          <a:xfrm>
+            <a:off x="3203848" y="805670"/>
+            <a:ext cx="720080" cy="3384376"/>
+          </a:xfrm>
+          <a:prstGeom prst="roundRect">
+            <a:avLst/>
+          </a:prstGeom>
+          <a:noFill/>
+          <a:ln w="6350" cap="flat" cmpd="sng" algn="ctr">
+            <a:solidFill>
+              <a:schemeClr val="tx1"/>
+            </a:solidFill>
+            <a:prstDash val="solid"/>
+            <a:round/>
+            <a:headEnd type="none" w="med" len="med"/>
+            <a:tailEnd type="none" w="med" len="med"/>
+          </a:ln>
+          <a:effectLst/>
+        </p:spPr>
+        <p:txBody>
+          <a:bodyPr vert="horz" wrap="square" lIns="79200" tIns="39600" rIns="79200" bIns="39600" numCol="1" rtlCol="0" anchor="t" anchorCtr="0" compatLnSpc="1">
+            <a:prstTxWarp prst="textNoShape">
+              <a:avLst/>
+            </a:prstTxWarp>
+            <a:noAutofit/>
+          </a:bodyPr>
+          <a:lstStyle/>
+          <a:p>
+            <a:pPr algn="ctr"/>
+            <a:endParaRPr lang="zh-CN" altLang="en-US" sz="1200" dirty="0" smtClean="0">
+              <a:latin typeface="微软雅黑" panose="020B0503020204020204" pitchFamily="34" charset="-122"/>
+              <a:ea typeface="微软雅黑" panose="020B0503020204020204" pitchFamily="34" charset="-122"/>
+            </a:endParaRPr>
+          </a:p>
+        </p:txBody>
+      </p:sp>
+      <p:sp>
+        <p:nvSpPr>
+          <p:cNvPr id="122" name="AutoShape 5"/>
+          <p:cNvSpPr>
+            <a:spLocks noChangeArrowheads="1"/>
+          </p:cNvSpPr>
+          <p:nvPr/>
+        </p:nvSpPr>
+        <p:spPr bwMode="auto">
+          <a:xfrm>
+            <a:off x="3275856" y="661654"/>
+            <a:ext cx="561976" cy="422295"/>
+          </a:xfrm>
+          <a:prstGeom prst="roundRect">
+            <a:avLst>
+              <a:gd name="adj" fmla="val 16667"/>
+            </a:avLst>
+          </a:prstGeom>
+          <a:solidFill>
+            <a:schemeClr val="accent2">
+              <a:lumMod val="40000"/>
+              <a:lumOff val="60000"/>
+            </a:schemeClr>
+          </a:solidFill>
+          <a:ln w="9525">
+            <a:noFill/>
+            <a:round/>
+            <a:headEnd/>
+            <a:tailEnd/>
+          </a:ln>
+          <a:effectLst>
+            <a:outerShdw blurRad="44450" dist="27940" dir="5400000" algn="ctr">
+              <a:srgbClr val="000000">
+                <a:alpha val="32000"/>
+              </a:srgbClr>
+            </a:outerShdw>
+          </a:effectLst>
+          <a:scene3d>
+            <a:camera prst="orthographicFront">
+              <a:rot lat="0" lon="0" rev="0"/>
+            </a:camera>
+            <a:lightRig rig="balanced" dir="t">
+              <a:rot lat="0" lon="0" rev="8700000"/>
+            </a:lightRig>
+          </a:scene3d>
+          <a:sp3d>
+            <a:bevelT w="190500" h="38100"/>
+          </a:sp3d>
+        </p:spPr>
+        <p:txBody>
+          <a:bodyPr wrap="none" lIns="117244" tIns="58622" rIns="117244" bIns="58622" anchor="ctr"/>
+          <a:lstStyle/>
+          <a:p>
+            <a:pPr algn="ctr"/>
+            <a:r>
+              <a:rPr lang="en-US" altLang="zh-CN" sz="1000" dirty="0" smtClean="0">
+                <a:latin typeface="微软雅黑" pitchFamily="34" charset="-122"/>
+                <a:ea typeface="微软雅黑" pitchFamily="34" charset="-122"/>
+              </a:rPr>
+              <a:t>Real time</a:t>
+            </a:r>
+          </a:p>
+          <a:p>
+            <a:pPr algn="ctr"/>
+            <a:r>
+              <a:rPr lang="en-US" altLang="zh-CN" sz="1000" dirty="0" smtClean="0">
+                <a:latin typeface="微软雅黑" pitchFamily="34" charset="-122"/>
+                <a:ea typeface="微软雅黑" pitchFamily="34" charset="-122"/>
+              </a:rPr>
+              <a:t>OS</a:t>
+            </a:r>
+            <a:endParaRPr lang="zh-CN" altLang="en-US" sz="1000" dirty="0">
+              <a:latin typeface="微软雅黑" pitchFamily="34" charset="-122"/>
+              <a:ea typeface="微软雅黑" pitchFamily="34" charset="-122"/>
+            </a:endParaRPr>
+          </a:p>
+        </p:txBody>
+      </p:sp>
+      <p:sp>
+        <p:nvSpPr>
+          <p:cNvPr id="123" name="圆角矩形 122"/>
+          <p:cNvSpPr/>
+          <p:nvPr/>
+        </p:nvSpPr>
+        <p:spPr bwMode="auto">
+          <a:xfrm>
+            <a:off x="4211960" y="805670"/>
+            <a:ext cx="720080" cy="3384376"/>
+          </a:xfrm>
+          <a:prstGeom prst="roundRect">
+            <a:avLst/>
+          </a:prstGeom>
+          <a:noFill/>
+          <a:ln w="6350" cap="flat" cmpd="sng" algn="ctr">
+            <a:solidFill>
+              <a:schemeClr val="tx1"/>
+            </a:solidFill>
+            <a:prstDash val="solid"/>
+            <a:round/>
+            <a:headEnd type="none" w="med" len="med"/>
+            <a:tailEnd type="none" w="med" len="med"/>
+          </a:ln>
+          <a:effectLst/>
+        </p:spPr>
+        <p:txBody>
+          <a:bodyPr vert="horz" wrap="square" lIns="79200" tIns="39600" rIns="79200" bIns="39600" numCol="1" rtlCol="0" anchor="t" anchorCtr="0" compatLnSpc="1">
+            <a:prstTxWarp prst="textNoShape">
+              <a:avLst/>
+            </a:prstTxWarp>
+            <a:noAutofit/>
+          </a:bodyPr>
+          <a:lstStyle/>
+          <a:p>
+            <a:pPr algn="ctr"/>
+            <a:endParaRPr lang="zh-CN" altLang="en-US" sz="1200" dirty="0" smtClean="0">
+              <a:latin typeface="微软雅黑" panose="020B0503020204020204" pitchFamily="34" charset="-122"/>
+              <a:ea typeface="微软雅黑" panose="020B0503020204020204" pitchFamily="34" charset="-122"/>
+            </a:endParaRPr>
+          </a:p>
+        </p:txBody>
+      </p:sp>
+      <p:sp>
+        <p:nvSpPr>
+          <p:cNvPr id="124" name="AutoShape 5"/>
+          <p:cNvSpPr>
+            <a:spLocks noChangeArrowheads="1"/>
+          </p:cNvSpPr>
+          <p:nvPr/>
+        </p:nvSpPr>
+        <p:spPr bwMode="auto">
+          <a:xfrm>
+            <a:off x="4283968" y="661654"/>
+            <a:ext cx="561976" cy="422295"/>
+          </a:xfrm>
+          <a:prstGeom prst="roundRect">
+            <a:avLst>
+              <a:gd name="adj" fmla="val 16667"/>
+            </a:avLst>
+          </a:prstGeom>
+          <a:solidFill>
+            <a:schemeClr val="accent2">
+              <a:lumMod val="40000"/>
+              <a:lumOff val="60000"/>
+            </a:schemeClr>
+          </a:solidFill>
+          <a:ln w="9525">
+            <a:noFill/>
+            <a:round/>
+            <a:headEnd/>
+            <a:tailEnd/>
+          </a:ln>
+          <a:effectLst>
+            <a:outerShdw blurRad="44450" dist="27940" dir="5400000" algn="ctr">
+              <a:srgbClr val="000000">
+                <a:alpha val="32000"/>
+              </a:srgbClr>
+            </a:outerShdw>
+          </a:effectLst>
+          <a:scene3d>
+            <a:camera prst="orthographicFront">
+              <a:rot lat="0" lon="0" rev="0"/>
+            </a:camera>
+            <a:lightRig rig="balanced" dir="t">
+              <a:rot lat="0" lon="0" rev="8700000"/>
+            </a:lightRig>
+          </a:scene3d>
+          <a:sp3d>
+            <a:bevelT w="190500" h="38100"/>
+          </a:sp3d>
+        </p:spPr>
+        <p:txBody>
+          <a:bodyPr wrap="none" lIns="117244" tIns="58622" rIns="117244" bIns="58622" anchor="ctr"/>
+          <a:lstStyle/>
+          <a:p>
+            <a:pPr algn="ctr"/>
+            <a:r>
+              <a:rPr lang="en-US" altLang="zh-CN" sz="1000" dirty="0" smtClean="0">
+                <a:latin typeface="微软雅黑" pitchFamily="34" charset="-122"/>
+                <a:ea typeface="微软雅黑" pitchFamily="34" charset="-122"/>
+              </a:rPr>
+              <a:t>Web</a:t>
+            </a:r>
+          </a:p>
+          <a:p>
+            <a:pPr algn="ctr"/>
+            <a:r>
+              <a:rPr lang="en-US" altLang="zh-CN" sz="1000" dirty="0" smtClean="0">
+                <a:latin typeface="微软雅黑" pitchFamily="34" charset="-122"/>
+                <a:ea typeface="微软雅黑" pitchFamily="34" charset="-122"/>
+              </a:rPr>
+              <a:t>terminal</a:t>
+            </a:r>
+            <a:endParaRPr lang="zh-CN" altLang="en-US" sz="1000" dirty="0">
+              <a:latin typeface="微软雅黑" pitchFamily="34" charset="-122"/>
+              <a:ea typeface="微软雅黑" pitchFamily="34" charset="-122"/>
+            </a:endParaRPr>
+          </a:p>
+        </p:txBody>
+      </p:sp>
+      <p:sp>
+        <p:nvSpPr>
+          <p:cNvPr id="125" name="圆角矩形 124"/>
+          <p:cNvSpPr/>
+          <p:nvPr/>
+        </p:nvSpPr>
+        <p:spPr bwMode="auto">
+          <a:xfrm>
+            <a:off x="5220072" y="805670"/>
+            <a:ext cx="720080" cy="3384376"/>
+          </a:xfrm>
+          <a:prstGeom prst="roundRect">
+            <a:avLst/>
+          </a:prstGeom>
+          <a:noFill/>
+          <a:ln w="6350" cap="flat" cmpd="sng" algn="ctr">
+            <a:solidFill>
+              <a:schemeClr val="tx1"/>
+            </a:solidFill>
+            <a:prstDash val="solid"/>
+            <a:round/>
+            <a:headEnd type="none" w="med" len="med"/>
+            <a:tailEnd type="none" w="med" len="med"/>
+          </a:ln>
+          <a:effectLst/>
+        </p:spPr>
+        <p:txBody>
+          <a:bodyPr vert="horz" wrap="square" lIns="79200" tIns="39600" rIns="79200" bIns="39600" numCol="1" rtlCol="0" anchor="t" anchorCtr="0" compatLnSpc="1">
+            <a:prstTxWarp prst="textNoShape">
+              <a:avLst/>
+            </a:prstTxWarp>
+            <a:noAutofit/>
+          </a:bodyPr>
+          <a:lstStyle/>
+          <a:p>
+            <a:pPr algn="ctr"/>
+            <a:endParaRPr lang="zh-CN" altLang="en-US" sz="1200" dirty="0" smtClean="0">
+              <a:latin typeface="微软雅黑" panose="020B0503020204020204" pitchFamily="34" charset="-122"/>
+              <a:ea typeface="微软雅黑" panose="020B0503020204020204" pitchFamily="34" charset="-122"/>
+            </a:endParaRPr>
+          </a:p>
+        </p:txBody>
+      </p:sp>
+      <p:sp>
+        <p:nvSpPr>
+          <p:cNvPr id="126" name="AutoShape 5"/>
+          <p:cNvSpPr>
+            <a:spLocks noChangeArrowheads="1"/>
+          </p:cNvSpPr>
+          <p:nvPr/>
+        </p:nvSpPr>
+        <p:spPr bwMode="auto">
+          <a:xfrm>
+            <a:off x="5292080" y="661654"/>
+            <a:ext cx="561976" cy="422295"/>
+          </a:xfrm>
+          <a:prstGeom prst="roundRect">
+            <a:avLst>
+              <a:gd name="adj" fmla="val 16667"/>
+            </a:avLst>
+          </a:prstGeom>
+          <a:solidFill>
+            <a:schemeClr val="accent2">
+              <a:lumMod val="40000"/>
+              <a:lumOff val="60000"/>
+            </a:schemeClr>
+          </a:solidFill>
+          <a:ln w="9525">
+            <a:noFill/>
+            <a:round/>
+            <a:headEnd/>
+            <a:tailEnd/>
+          </a:ln>
+          <a:effectLst>
+            <a:outerShdw blurRad="44450" dist="27940" dir="5400000" algn="ctr">
+              <a:srgbClr val="000000">
+                <a:alpha val="32000"/>
+              </a:srgbClr>
+            </a:outerShdw>
+          </a:effectLst>
+          <a:scene3d>
+            <a:camera prst="orthographicFront">
+              <a:rot lat="0" lon="0" rev="0"/>
+            </a:camera>
+            <a:lightRig rig="balanced" dir="t">
+              <a:rot lat="0" lon="0" rev="8700000"/>
+            </a:lightRig>
+          </a:scene3d>
+          <a:sp3d>
+            <a:bevelT w="190500" h="38100"/>
+          </a:sp3d>
+        </p:spPr>
+        <p:txBody>
+          <a:bodyPr wrap="none" lIns="117244" tIns="58622" rIns="117244" bIns="58622" anchor="ctr"/>
+          <a:lstStyle/>
+          <a:p>
+            <a:pPr algn="ctr"/>
+            <a:r>
+              <a:rPr lang="en-US" altLang="zh-CN" sz="1000" dirty="0" smtClean="0">
+                <a:latin typeface="微软雅黑" pitchFamily="34" charset="-122"/>
+                <a:ea typeface="微软雅黑" pitchFamily="34" charset="-122"/>
+              </a:rPr>
+              <a:t>Linux</a:t>
+            </a:r>
+            <a:br>
+              <a:rPr lang="en-US" altLang="zh-CN" sz="1000" dirty="0" smtClean="0">
+                <a:latin typeface="微软雅黑" pitchFamily="34" charset="-122"/>
+                <a:ea typeface="微软雅黑" pitchFamily="34" charset="-122"/>
+              </a:rPr>
+            </a:br>
+            <a:r>
+              <a:rPr lang="en-US" altLang="zh-CN" sz="1000" dirty="0" smtClean="0">
+                <a:latin typeface="微软雅黑" pitchFamily="34" charset="-122"/>
+                <a:ea typeface="微软雅黑" pitchFamily="34" charset="-122"/>
+              </a:rPr>
+              <a:t>kernel</a:t>
+            </a:r>
+            <a:endParaRPr lang="zh-CN" altLang="en-US" sz="1000" dirty="0">
+              <a:latin typeface="微软雅黑" pitchFamily="34" charset="-122"/>
+              <a:ea typeface="微软雅黑" pitchFamily="34" charset="-122"/>
+            </a:endParaRPr>
+          </a:p>
+        </p:txBody>
+      </p:sp>
+      <p:sp>
+        <p:nvSpPr>
+          <p:cNvPr id="136" name="圆角矩形 135"/>
+          <p:cNvSpPr/>
+          <p:nvPr/>
+        </p:nvSpPr>
+        <p:spPr bwMode="auto">
+          <a:xfrm>
+            <a:off x="6156176" y="805670"/>
+            <a:ext cx="720080" cy="3384376"/>
+          </a:xfrm>
+          <a:prstGeom prst="roundRect">
+            <a:avLst/>
+          </a:prstGeom>
+          <a:noFill/>
+          <a:ln w="6350" cap="flat" cmpd="sng" algn="ctr">
+            <a:solidFill>
+              <a:schemeClr val="tx1"/>
+            </a:solidFill>
+            <a:prstDash val="solid"/>
+            <a:round/>
+            <a:headEnd type="none" w="med" len="med"/>
+            <a:tailEnd type="none" w="med" len="med"/>
+          </a:ln>
+          <a:effectLst/>
+        </p:spPr>
+        <p:txBody>
+          <a:bodyPr vert="horz" wrap="square" lIns="79200" tIns="39600" rIns="79200" bIns="39600" numCol="1" rtlCol="0" anchor="t" anchorCtr="0" compatLnSpc="1">
+            <a:prstTxWarp prst="textNoShape">
+              <a:avLst/>
+            </a:prstTxWarp>
+            <a:noAutofit/>
+          </a:bodyPr>
+          <a:lstStyle/>
+          <a:p>
+            <a:pPr algn="ctr"/>
+            <a:endParaRPr lang="zh-CN" altLang="en-US" sz="1200" dirty="0" smtClean="0">
+              <a:latin typeface="微软雅黑" panose="020B0503020204020204" pitchFamily="34" charset="-122"/>
+              <a:ea typeface="微软雅黑" panose="020B0503020204020204" pitchFamily="34" charset="-122"/>
+            </a:endParaRPr>
+          </a:p>
+        </p:txBody>
+      </p:sp>
+      <p:sp>
+        <p:nvSpPr>
+          <p:cNvPr id="137" name="AutoShape 5"/>
+          <p:cNvSpPr>
+            <a:spLocks noChangeArrowheads="1"/>
+          </p:cNvSpPr>
+          <p:nvPr/>
+        </p:nvSpPr>
+        <p:spPr bwMode="auto">
+          <a:xfrm>
+            <a:off x="6228184" y="661654"/>
+            <a:ext cx="561976" cy="422295"/>
+          </a:xfrm>
+          <a:prstGeom prst="roundRect">
+            <a:avLst>
+              <a:gd name="adj" fmla="val 16667"/>
+            </a:avLst>
+          </a:prstGeom>
+          <a:solidFill>
+            <a:schemeClr val="accent2">
+              <a:lumMod val="40000"/>
+              <a:lumOff val="60000"/>
+            </a:schemeClr>
+          </a:solidFill>
+          <a:ln w="9525">
+            <a:noFill/>
+            <a:round/>
+            <a:headEnd/>
+            <a:tailEnd/>
+          </a:ln>
+          <a:effectLst>
+            <a:outerShdw blurRad="44450" dist="27940" dir="5400000" algn="ctr">
+              <a:srgbClr val="000000">
+                <a:alpha val="32000"/>
+              </a:srgbClr>
+            </a:outerShdw>
+          </a:effectLst>
+          <a:scene3d>
+            <a:camera prst="orthographicFront">
+              <a:rot lat="0" lon="0" rev="0"/>
+            </a:camera>
+            <a:lightRig rig="balanced" dir="t">
+              <a:rot lat="0" lon="0" rev="8700000"/>
+            </a:lightRig>
+          </a:scene3d>
+          <a:sp3d>
+            <a:bevelT w="190500" h="38100"/>
+          </a:sp3d>
+        </p:spPr>
+        <p:txBody>
+          <a:bodyPr wrap="none" lIns="117244" tIns="58622" rIns="117244" bIns="58622" anchor="ctr"/>
+          <a:lstStyle/>
+          <a:p>
+            <a:pPr algn="ctr"/>
+            <a:r>
+              <a:rPr lang="en-US" altLang="zh-CN" sz="1000" dirty="0" smtClean="0">
+                <a:latin typeface="微软雅黑" pitchFamily="34" charset="-122"/>
+                <a:ea typeface="微软雅黑" pitchFamily="34" charset="-122"/>
+              </a:rPr>
+              <a:t>Web</a:t>
+            </a:r>
+          </a:p>
+          <a:p>
+            <a:pPr algn="ctr"/>
+            <a:r>
+              <a:rPr lang="en-US" altLang="zh-CN" sz="1000" dirty="0" smtClean="0">
+                <a:latin typeface="微软雅黑" pitchFamily="34" charset="-122"/>
+                <a:ea typeface="微软雅黑" pitchFamily="34" charset="-122"/>
+              </a:rPr>
+              <a:t> service</a:t>
+            </a:r>
+            <a:endParaRPr lang="zh-CN" altLang="en-US" sz="1000" dirty="0">
+              <a:latin typeface="微软雅黑" pitchFamily="34" charset="-122"/>
+              <a:ea typeface="微软雅黑" pitchFamily="34" charset="-122"/>
+            </a:endParaRPr>
+          </a:p>
+        </p:txBody>
+      </p:sp>
+      <p:sp>
+        <p:nvSpPr>
+          <p:cNvPr id="139" name="AutoShape 5"/>
+          <p:cNvSpPr>
+            <a:spLocks noChangeArrowheads="1"/>
+          </p:cNvSpPr>
+          <p:nvPr/>
+        </p:nvSpPr>
+        <p:spPr bwMode="auto">
+          <a:xfrm>
+            <a:off x="5108596" y="1139398"/>
+            <a:ext cx="936104" cy="216024"/>
+          </a:xfrm>
+          <a:prstGeom prst="roundRect">
+            <a:avLst>
+              <a:gd name="adj" fmla="val 16667"/>
+            </a:avLst>
+          </a:prstGeom>
+          <a:solidFill>
+            <a:srgbClr val="92D050"/>
+          </a:solidFill>
+          <a:ln w="9525">
+            <a:noFill/>
+            <a:round/>
+            <a:headEnd/>
+            <a:tailEnd/>
+          </a:ln>
+          <a:effectLst>
+            <a:outerShdw blurRad="44450" dist="27940" dir="5400000" algn="ctr">
+              <a:srgbClr val="000000">
+                <a:alpha val="32000"/>
+              </a:srgbClr>
+            </a:outerShdw>
+          </a:effectLst>
+          <a:scene3d>
+            <a:camera prst="orthographicFront">
+              <a:rot lat="0" lon="0" rev="0"/>
+            </a:camera>
+            <a:lightRig rig="balanced" dir="t">
+              <a:rot lat="0" lon="0" rev="8700000"/>
+            </a:lightRig>
+          </a:scene3d>
+          <a:sp3d>
+            <a:bevelT w="190500" h="38100"/>
+          </a:sp3d>
+        </p:spPr>
+        <p:txBody>
+          <a:bodyPr wrap="none" lIns="117244" tIns="58622" rIns="117244" bIns="58622" anchor="ctr"/>
+          <a:lstStyle/>
+          <a:p>
+            <a:pPr algn="ctr"/>
+            <a:r>
+              <a:rPr lang="en-US" altLang="zh-CN" sz="900" dirty="0" smtClean="0">
+                <a:latin typeface="微软雅黑" pitchFamily="34" charset="-122"/>
+                <a:ea typeface="微软雅黑" pitchFamily="34" charset="-122"/>
+              </a:rPr>
+              <a:t>Benchmark tools</a:t>
+            </a:r>
+            <a:endParaRPr lang="zh-CN" altLang="en-US" sz="900" dirty="0">
+              <a:latin typeface="微软雅黑" pitchFamily="34" charset="-122"/>
+              <a:ea typeface="微软雅黑" pitchFamily="34" charset="-122"/>
+            </a:endParaRPr>
+          </a:p>
+        </p:txBody>
+      </p:sp>
+      <p:sp>
+        <p:nvSpPr>
+          <p:cNvPr id="143" name="AutoShape 5"/>
+          <p:cNvSpPr>
+            <a:spLocks noChangeArrowheads="1"/>
+          </p:cNvSpPr>
+          <p:nvPr/>
+        </p:nvSpPr>
+        <p:spPr bwMode="auto">
+          <a:xfrm>
+            <a:off x="4176520" y="1131590"/>
+            <a:ext cx="792088" cy="216024"/>
+          </a:xfrm>
+          <a:prstGeom prst="roundRect">
+            <a:avLst>
+              <a:gd name="adj" fmla="val 16667"/>
+            </a:avLst>
+          </a:prstGeom>
+          <a:solidFill>
+            <a:srgbClr val="92D050"/>
+          </a:solidFill>
+          <a:ln w="9525">
+            <a:noFill/>
+            <a:round/>
+            <a:headEnd/>
+            <a:tailEnd/>
+          </a:ln>
+          <a:effectLst>
+            <a:outerShdw blurRad="44450" dist="27940" dir="5400000" algn="ctr">
+              <a:srgbClr val="000000">
+                <a:alpha val="32000"/>
+              </a:srgbClr>
+            </a:outerShdw>
+          </a:effectLst>
+          <a:scene3d>
+            <a:camera prst="orthographicFront">
+              <a:rot lat="0" lon="0" rev="0"/>
+            </a:camera>
+            <a:lightRig rig="balanced" dir="t">
+              <a:rot lat="0" lon="0" rev="8700000"/>
+            </a:lightRig>
+          </a:scene3d>
+          <a:sp3d>
+            <a:bevelT w="190500" h="38100"/>
+          </a:sp3d>
+        </p:spPr>
+        <p:txBody>
+          <a:bodyPr wrap="none" lIns="117244" tIns="58622" rIns="117244" bIns="58622" anchor="ctr"/>
+          <a:lstStyle/>
+          <a:p>
+            <a:pPr algn="ctr"/>
+            <a:r>
+              <a:rPr lang="en-US" altLang="zh-CN" sz="900" dirty="0" smtClean="0">
+                <a:latin typeface="微软雅黑" pitchFamily="34" charset="-122"/>
+                <a:ea typeface="微软雅黑" pitchFamily="34" charset="-122"/>
+              </a:rPr>
+              <a:t>Terminal tools</a:t>
+            </a:r>
+            <a:endParaRPr lang="zh-CN" altLang="en-US" sz="900" dirty="0">
+              <a:latin typeface="微软雅黑" pitchFamily="34" charset="-122"/>
+              <a:ea typeface="微软雅黑" pitchFamily="34" charset="-122"/>
+            </a:endParaRPr>
+          </a:p>
+        </p:txBody>
+      </p:sp>
+      <p:sp>
+        <p:nvSpPr>
+          <p:cNvPr id="145" name="AutoShape 5"/>
+          <p:cNvSpPr>
+            <a:spLocks noChangeArrowheads="1"/>
+          </p:cNvSpPr>
+          <p:nvPr/>
+        </p:nvSpPr>
+        <p:spPr bwMode="auto">
+          <a:xfrm>
+            <a:off x="5187532" y="1401468"/>
+            <a:ext cx="792088" cy="216024"/>
+          </a:xfrm>
+          <a:prstGeom prst="roundRect">
+            <a:avLst>
+              <a:gd name="adj" fmla="val 16667"/>
+            </a:avLst>
+          </a:prstGeom>
+          <a:solidFill>
+            <a:srgbClr val="92D050"/>
+          </a:solidFill>
+          <a:ln w="9525">
+            <a:noFill/>
+            <a:round/>
+            <a:headEnd/>
+            <a:tailEnd/>
+          </a:ln>
+          <a:effectLst>
+            <a:outerShdw blurRad="44450" dist="27940" dir="5400000" algn="ctr">
+              <a:srgbClr val="000000">
+                <a:alpha val="32000"/>
+              </a:srgbClr>
+            </a:outerShdw>
+          </a:effectLst>
+          <a:scene3d>
+            <a:camera prst="orthographicFront">
+              <a:rot lat="0" lon="0" rev="0"/>
+            </a:camera>
+            <a:lightRig rig="balanced" dir="t">
+              <a:rot lat="0" lon="0" rev="8700000"/>
+            </a:lightRig>
+          </a:scene3d>
+          <a:sp3d>
+            <a:bevelT w="190500" h="38100"/>
+          </a:sp3d>
+        </p:spPr>
+        <p:txBody>
+          <a:bodyPr wrap="none" lIns="117244" tIns="58622" rIns="117244" bIns="58622" anchor="ctr"/>
+          <a:lstStyle/>
+          <a:p>
+            <a:pPr algn="ctr"/>
+            <a:r>
+              <a:rPr lang="en-US" altLang="zh-CN" sz="1000" dirty="0" smtClean="0">
+                <a:latin typeface="微软雅黑" pitchFamily="34" charset="-122"/>
+                <a:ea typeface="微软雅黑" pitchFamily="34" charset="-122"/>
+              </a:rPr>
+              <a:t>CI tools</a:t>
+            </a:r>
+            <a:endParaRPr lang="zh-CN" altLang="en-US" sz="1000" dirty="0">
+              <a:latin typeface="微软雅黑" pitchFamily="34" charset="-122"/>
+              <a:ea typeface="微软雅黑" pitchFamily="34" charset="-122"/>
+            </a:endParaRPr>
+          </a:p>
+        </p:txBody>
+      </p:sp>
+      <p:sp>
+        <p:nvSpPr>
+          <p:cNvPr id="56" name="AutoShape 5"/>
+          <p:cNvSpPr>
+            <a:spLocks noChangeArrowheads="1"/>
+          </p:cNvSpPr>
+          <p:nvPr/>
+        </p:nvSpPr>
+        <p:spPr bwMode="auto">
+          <a:xfrm>
+            <a:off x="2166256" y="1315686"/>
+            <a:ext cx="792088" cy="216024"/>
+          </a:xfrm>
+          <a:prstGeom prst="roundRect">
+            <a:avLst>
+              <a:gd name="adj" fmla="val 16667"/>
+            </a:avLst>
+          </a:prstGeom>
+          <a:solidFill>
+            <a:srgbClr val="92D050"/>
+          </a:solidFill>
+          <a:ln w="9525">
+            <a:noFill/>
+            <a:round/>
+            <a:headEnd/>
+            <a:tailEnd/>
+          </a:ln>
+          <a:effectLst>
+            <a:outerShdw blurRad="44450" dist="27940" dir="5400000" algn="ctr">
+              <a:srgbClr val="000000">
+                <a:alpha val="32000"/>
+              </a:srgbClr>
+            </a:outerShdw>
+          </a:effectLst>
+          <a:scene3d>
+            <a:camera prst="orthographicFront">
+              <a:rot lat="0" lon="0" rev="0"/>
+            </a:camera>
+            <a:lightRig rig="balanced" dir="t">
+              <a:rot lat="0" lon="0" rev="8700000"/>
+            </a:lightRig>
+          </a:scene3d>
+          <a:sp3d>
+            <a:bevelT w="190500" h="38100"/>
+          </a:sp3d>
+        </p:spPr>
+        <p:txBody>
+          <a:bodyPr wrap="none" lIns="117244" tIns="58622" rIns="117244" bIns="58622" anchor="ctr"/>
+          <a:lstStyle/>
+          <a:p>
+            <a:pPr algn="ctr"/>
+            <a:r>
+              <a:rPr lang="en-US" altLang="zh-CN" sz="1000" dirty="0" smtClean="0">
+                <a:latin typeface="微软雅黑" pitchFamily="34" charset="-122"/>
+                <a:ea typeface="微软雅黑" pitchFamily="34" charset="-122"/>
+              </a:rPr>
+              <a:t>CI tools</a:t>
+            </a:r>
+            <a:endParaRPr lang="zh-CN" altLang="en-US" sz="1000" dirty="0">
+              <a:latin typeface="微软雅黑" pitchFamily="34" charset="-122"/>
+              <a:ea typeface="微软雅黑" pitchFamily="34" charset="-122"/>
+            </a:endParaRPr>
+          </a:p>
+        </p:txBody>
+      </p:sp>
+      <p:sp>
+        <p:nvSpPr>
+          <p:cNvPr id="57" name="AutoShape 5"/>
+          <p:cNvSpPr>
+            <a:spLocks noChangeArrowheads="1"/>
+          </p:cNvSpPr>
+          <p:nvPr/>
+        </p:nvSpPr>
+        <p:spPr bwMode="auto">
+          <a:xfrm>
+            <a:off x="1152184" y="1309726"/>
+            <a:ext cx="792088" cy="216024"/>
+          </a:xfrm>
+          <a:prstGeom prst="roundRect">
+            <a:avLst>
+              <a:gd name="adj" fmla="val 16667"/>
+            </a:avLst>
+          </a:prstGeom>
+          <a:solidFill>
+            <a:srgbClr val="92D050"/>
+          </a:solidFill>
+          <a:ln w="9525">
+            <a:noFill/>
+            <a:round/>
+            <a:headEnd/>
+            <a:tailEnd/>
+          </a:ln>
+          <a:effectLst>
+            <a:outerShdw blurRad="44450" dist="27940" dir="5400000" algn="ctr">
+              <a:srgbClr val="000000">
+                <a:alpha val="32000"/>
+              </a:srgbClr>
+            </a:outerShdw>
+          </a:effectLst>
+          <a:scene3d>
+            <a:camera prst="orthographicFront">
+              <a:rot lat="0" lon="0" rev="0"/>
+            </a:camera>
+            <a:lightRig rig="balanced" dir="t">
+              <a:rot lat="0" lon="0" rev="8700000"/>
+            </a:lightRig>
+          </a:scene3d>
+          <a:sp3d>
+            <a:bevelT w="190500" h="38100"/>
+          </a:sp3d>
+        </p:spPr>
+        <p:txBody>
+          <a:bodyPr wrap="none" lIns="117244" tIns="58622" rIns="117244" bIns="58622" anchor="ctr"/>
+          <a:lstStyle/>
+          <a:p>
+            <a:pPr algn="ctr"/>
+            <a:r>
+              <a:rPr lang="en-US" altLang="zh-CN" sz="1000" dirty="0" smtClean="0">
+                <a:latin typeface="微软雅黑" pitchFamily="34" charset="-122"/>
+                <a:ea typeface="微软雅黑" pitchFamily="34" charset="-122"/>
+              </a:rPr>
+              <a:t>CI tools</a:t>
+            </a:r>
+            <a:endParaRPr lang="zh-CN" altLang="en-US" sz="1000" dirty="0">
+              <a:latin typeface="微软雅黑" pitchFamily="34" charset="-122"/>
+              <a:ea typeface="微软雅黑" pitchFamily="34" charset="-122"/>
+            </a:endParaRPr>
+          </a:p>
+        </p:txBody>
+      </p:sp>
+      <p:sp>
+        <p:nvSpPr>
+          <p:cNvPr id="61" name="圆角矩形 60"/>
+          <p:cNvSpPr/>
+          <p:nvPr/>
+        </p:nvSpPr>
+        <p:spPr bwMode="auto">
+          <a:xfrm>
+            <a:off x="7071016" y="812758"/>
+            <a:ext cx="720080" cy="3384376"/>
+          </a:xfrm>
+          <a:prstGeom prst="roundRect">
+            <a:avLst/>
+          </a:prstGeom>
+          <a:noFill/>
+          <a:ln w="6350" cap="flat" cmpd="sng" algn="ctr">
+            <a:solidFill>
+              <a:schemeClr val="tx1"/>
+            </a:solidFill>
+            <a:prstDash val="solid"/>
+            <a:round/>
+            <a:headEnd type="none" w="med" len="med"/>
+            <a:tailEnd type="none" w="med" len="med"/>
+          </a:ln>
+          <a:effectLst/>
+        </p:spPr>
+        <p:txBody>
+          <a:bodyPr vert="horz" wrap="square" lIns="79200" tIns="39600" rIns="79200" bIns="39600" numCol="1" rtlCol="0" anchor="t" anchorCtr="0" compatLnSpc="1">
+            <a:prstTxWarp prst="textNoShape">
+              <a:avLst/>
+            </a:prstTxWarp>
+            <a:noAutofit/>
+          </a:bodyPr>
+          <a:lstStyle/>
+          <a:p>
+            <a:pPr algn="ctr"/>
+            <a:endParaRPr lang="zh-CN" altLang="en-US" sz="1200" dirty="0" smtClean="0">
+              <a:latin typeface="微软雅黑" panose="020B0503020204020204" pitchFamily="34" charset="-122"/>
+              <a:ea typeface="微软雅黑" panose="020B0503020204020204" pitchFamily="34" charset="-122"/>
+            </a:endParaRPr>
+          </a:p>
+        </p:txBody>
+      </p:sp>
+      <p:sp>
+        <p:nvSpPr>
+          <p:cNvPr id="62" name="AutoShape 5"/>
+          <p:cNvSpPr>
+            <a:spLocks noChangeArrowheads="1"/>
+          </p:cNvSpPr>
+          <p:nvPr/>
+        </p:nvSpPr>
+        <p:spPr bwMode="auto">
+          <a:xfrm>
+            <a:off x="7143024" y="668742"/>
+            <a:ext cx="561976" cy="422295"/>
+          </a:xfrm>
+          <a:prstGeom prst="roundRect">
+            <a:avLst>
+              <a:gd name="adj" fmla="val 16667"/>
+            </a:avLst>
+          </a:prstGeom>
+          <a:solidFill>
+            <a:schemeClr val="accent2">
+              <a:lumMod val="40000"/>
+              <a:lumOff val="60000"/>
+            </a:schemeClr>
+          </a:solidFill>
+          <a:ln w="9525">
+            <a:noFill/>
+            <a:round/>
+            <a:headEnd/>
+            <a:tailEnd/>
+          </a:ln>
+          <a:effectLst>
+            <a:outerShdw blurRad="44450" dist="27940" dir="5400000" algn="ctr">
+              <a:srgbClr val="000000">
+                <a:alpha val="32000"/>
+              </a:srgbClr>
+            </a:outerShdw>
+          </a:effectLst>
+          <a:scene3d>
+            <a:camera prst="orthographicFront">
+              <a:rot lat="0" lon="0" rev="0"/>
+            </a:camera>
+            <a:lightRig rig="balanced" dir="t">
+              <a:rot lat="0" lon="0" rev="8700000"/>
+            </a:lightRig>
+          </a:scene3d>
+          <a:sp3d>
+            <a:bevelT w="190500" h="38100"/>
+          </a:sp3d>
+        </p:spPr>
+        <p:txBody>
+          <a:bodyPr wrap="none" lIns="117244" tIns="58622" rIns="117244" bIns="58622" anchor="ctr"/>
+          <a:lstStyle/>
+          <a:p>
+            <a:pPr algn="ctr"/>
+            <a:r>
+              <a:rPr lang="en-US" altLang="zh-CN" sz="1000" dirty="0" smtClean="0">
+                <a:latin typeface="微软雅黑" pitchFamily="34" charset="-122"/>
+                <a:ea typeface="微软雅黑" pitchFamily="34" charset="-122"/>
+              </a:rPr>
+              <a:t>Security</a:t>
+            </a:r>
+          </a:p>
+          <a:p>
+            <a:pPr algn="ctr"/>
+            <a:r>
+              <a:rPr lang="en-US" altLang="zh-CN" sz="1000" dirty="0" smtClean="0">
+                <a:latin typeface="微软雅黑" pitchFamily="34" charset="-122"/>
+                <a:ea typeface="微软雅黑" pitchFamily="34" charset="-122"/>
+              </a:rPr>
+              <a:t>test</a:t>
+            </a:r>
+            <a:endParaRPr lang="zh-CN" altLang="en-US" sz="1000" dirty="0">
+              <a:latin typeface="微软雅黑" pitchFamily="34" charset="-122"/>
+              <a:ea typeface="微软雅黑" pitchFamily="34" charset="-122"/>
+            </a:endParaRPr>
+          </a:p>
+        </p:txBody>
+      </p:sp>
+      <p:sp>
+        <p:nvSpPr>
+          <p:cNvPr id="63" name="AutoShape 5"/>
+          <p:cNvSpPr>
+            <a:spLocks noChangeArrowheads="1"/>
+          </p:cNvSpPr>
+          <p:nvPr/>
+        </p:nvSpPr>
+        <p:spPr bwMode="auto">
+          <a:xfrm>
+            <a:off x="6999008" y="1309726"/>
+            <a:ext cx="864096" cy="216024"/>
+          </a:xfrm>
+          <a:prstGeom prst="roundRect">
+            <a:avLst>
+              <a:gd name="adj" fmla="val 16667"/>
+            </a:avLst>
+          </a:prstGeom>
+          <a:solidFill>
+            <a:srgbClr val="92D050"/>
+          </a:solidFill>
+          <a:ln w="9525">
+            <a:noFill/>
+            <a:round/>
+            <a:headEnd/>
+            <a:tailEnd/>
+          </a:ln>
+          <a:effectLst>
+            <a:outerShdw blurRad="44450" dist="27940" dir="5400000" algn="ctr">
+              <a:srgbClr val="000000">
+                <a:alpha val="32000"/>
+              </a:srgbClr>
+            </a:outerShdw>
+          </a:effectLst>
+          <a:scene3d>
+            <a:camera prst="orthographicFront">
+              <a:rot lat="0" lon="0" rev="0"/>
+            </a:camera>
+            <a:lightRig rig="balanced" dir="t">
+              <a:rot lat="0" lon="0" rev="8700000"/>
+            </a:lightRig>
+          </a:scene3d>
+          <a:sp3d>
+            <a:bevelT w="190500" h="38100"/>
+          </a:sp3d>
+        </p:spPr>
+        <p:txBody>
+          <a:bodyPr wrap="none" lIns="117244" tIns="58622" rIns="117244" bIns="58622" anchor="ctr"/>
+          <a:lstStyle/>
+          <a:p>
+            <a:pPr algn="ctr"/>
+            <a:r>
+              <a:rPr lang="en-US" altLang="zh-CN" sz="1000" dirty="0" smtClean="0">
+                <a:latin typeface="微软雅黑" pitchFamily="34" charset="-122"/>
+                <a:ea typeface="微软雅黑" pitchFamily="34" charset="-122"/>
+              </a:rPr>
+              <a:t>Scan tools</a:t>
+            </a:r>
+            <a:endParaRPr lang="zh-CN" altLang="en-US" sz="1000" dirty="0">
+              <a:latin typeface="微软雅黑" pitchFamily="34" charset="-122"/>
+              <a:ea typeface="微软雅黑" pitchFamily="34" charset="-122"/>
+            </a:endParaRPr>
+          </a:p>
+        </p:txBody>
+      </p:sp>
+      <p:sp>
+        <p:nvSpPr>
+          <p:cNvPr id="64" name="AutoShape 5"/>
+          <p:cNvSpPr>
+            <a:spLocks noChangeArrowheads="1"/>
+          </p:cNvSpPr>
+          <p:nvPr/>
+        </p:nvSpPr>
+        <p:spPr bwMode="auto">
+          <a:xfrm>
+            <a:off x="3167280" y="1316814"/>
+            <a:ext cx="792088" cy="216024"/>
+          </a:xfrm>
+          <a:prstGeom prst="roundRect">
+            <a:avLst>
+              <a:gd name="adj" fmla="val 16667"/>
+            </a:avLst>
+          </a:prstGeom>
+          <a:solidFill>
+            <a:srgbClr val="92D050"/>
+          </a:solidFill>
+          <a:ln w="9525">
+            <a:noFill/>
+            <a:round/>
+            <a:headEnd/>
+            <a:tailEnd/>
+          </a:ln>
+          <a:effectLst>
+            <a:outerShdw blurRad="44450" dist="27940" dir="5400000" algn="ctr">
+              <a:srgbClr val="000000">
+                <a:alpha val="32000"/>
+              </a:srgbClr>
+            </a:outerShdw>
+          </a:effectLst>
+          <a:scene3d>
+            <a:camera prst="orthographicFront">
+              <a:rot lat="0" lon="0" rev="0"/>
+            </a:camera>
+            <a:lightRig rig="balanced" dir="t">
+              <a:rot lat="0" lon="0" rev="8700000"/>
+            </a:lightRig>
+          </a:scene3d>
+          <a:sp3d>
+            <a:bevelT w="190500" h="38100"/>
+          </a:sp3d>
+        </p:spPr>
+        <p:txBody>
+          <a:bodyPr wrap="none" lIns="117244" tIns="58622" rIns="117244" bIns="58622" anchor="ctr"/>
+          <a:lstStyle/>
+          <a:p>
+            <a:pPr algn="ctr"/>
+            <a:r>
+              <a:rPr lang="en-US" altLang="zh-CN" sz="1000" dirty="0" smtClean="0">
+                <a:latin typeface="微软雅黑" pitchFamily="34" charset="-122"/>
+                <a:ea typeface="微软雅黑" pitchFamily="34" charset="-122"/>
+              </a:rPr>
+              <a:t>CI tools</a:t>
+            </a:r>
+            <a:endParaRPr lang="zh-CN" altLang="en-US" sz="1000" dirty="0">
+              <a:latin typeface="微软雅黑" pitchFamily="34" charset="-122"/>
+              <a:ea typeface="微软雅黑" pitchFamily="34" charset="-122"/>
+            </a:endParaRPr>
+          </a:p>
+        </p:txBody>
+      </p:sp>
+      <p:sp>
+        <p:nvSpPr>
+          <p:cNvPr id="66" name="AutoShape 5"/>
+          <p:cNvSpPr>
+            <a:spLocks noChangeArrowheads="1"/>
+          </p:cNvSpPr>
+          <p:nvPr/>
+        </p:nvSpPr>
+        <p:spPr bwMode="auto">
+          <a:xfrm>
+            <a:off x="6127824" y="1144446"/>
+            <a:ext cx="792088" cy="216024"/>
+          </a:xfrm>
+          <a:prstGeom prst="roundRect">
+            <a:avLst>
+              <a:gd name="adj" fmla="val 16667"/>
+            </a:avLst>
+          </a:prstGeom>
+          <a:solidFill>
+            <a:srgbClr val="92D050"/>
+          </a:solidFill>
+          <a:ln w="9525">
+            <a:noFill/>
+            <a:round/>
+            <a:headEnd/>
+            <a:tailEnd/>
+          </a:ln>
+          <a:effectLst>
+            <a:outerShdw blurRad="44450" dist="27940" dir="5400000" algn="ctr">
+              <a:srgbClr val="000000">
+                <a:alpha val="32000"/>
+              </a:srgbClr>
+            </a:outerShdw>
+          </a:effectLst>
+          <a:scene3d>
+            <a:camera prst="orthographicFront">
+              <a:rot lat="0" lon="0" rev="0"/>
+            </a:camera>
+            <a:lightRig rig="balanced" dir="t">
+              <a:rot lat="0" lon="0" rev="8700000"/>
+            </a:lightRig>
+          </a:scene3d>
+          <a:sp3d>
+            <a:bevelT w="190500" h="38100"/>
+          </a:sp3d>
+        </p:spPr>
+        <p:txBody>
+          <a:bodyPr wrap="none" lIns="117244" tIns="58622" rIns="117244" bIns="58622" anchor="ctr"/>
+          <a:lstStyle/>
+          <a:p>
+            <a:pPr algn="ctr"/>
+            <a:r>
+              <a:rPr lang="en-US" altLang="zh-CN" sz="1000" dirty="0" smtClean="0">
+                <a:latin typeface="微软雅黑" pitchFamily="34" charset="-122"/>
+                <a:ea typeface="微软雅黑" pitchFamily="34" charset="-122"/>
+              </a:rPr>
+              <a:t>Web tools</a:t>
+            </a:r>
+            <a:endParaRPr lang="zh-CN" altLang="en-US" sz="1000" dirty="0">
+              <a:latin typeface="微软雅黑" pitchFamily="34" charset="-122"/>
+              <a:ea typeface="微软雅黑" pitchFamily="34" charset="-122"/>
+            </a:endParaRPr>
+          </a:p>
+        </p:txBody>
+      </p:sp>
+      <p:sp>
+        <p:nvSpPr>
+          <p:cNvPr id="67" name="AutoShape 5"/>
+          <p:cNvSpPr>
+            <a:spLocks noChangeArrowheads="1"/>
+          </p:cNvSpPr>
+          <p:nvPr/>
+        </p:nvSpPr>
+        <p:spPr bwMode="auto">
+          <a:xfrm>
+            <a:off x="6134912" y="1410086"/>
+            <a:ext cx="792088" cy="216024"/>
+          </a:xfrm>
+          <a:prstGeom prst="roundRect">
+            <a:avLst>
+              <a:gd name="adj" fmla="val 16667"/>
+            </a:avLst>
+          </a:prstGeom>
+          <a:solidFill>
+            <a:srgbClr val="92D050"/>
+          </a:solidFill>
+          <a:ln w="9525">
+            <a:noFill/>
+            <a:round/>
+            <a:headEnd/>
+            <a:tailEnd/>
+          </a:ln>
+          <a:effectLst>
+            <a:outerShdw blurRad="44450" dist="27940" dir="5400000" algn="ctr">
+              <a:srgbClr val="000000">
+                <a:alpha val="32000"/>
+              </a:srgbClr>
+            </a:outerShdw>
+          </a:effectLst>
+          <a:scene3d>
+            <a:camera prst="orthographicFront">
+              <a:rot lat="0" lon="0" rev="0"/>
+            </a:camera>
+            <a:lightRig rig="balanced" dir="t">
+              <a:rot lat="0" lon="0" rev="8700000"/>
+            </a:lightRig>
+          </a:scene3d>
+          <a:sp3d>
+            <a:bevelT w="190500" h="38100"/>
+          </a:sp3d>
+        </p:spPr>
+        <p:txBody>
+          <a:bodyPr wrap="none" lIns="117244" tIns="58622" rIns="117244" bIns="58622" anchor="ctr"/>
+          <a:lstStyle/>
+          <a:p>
+            <a:pPr algn="ctr"/>
+            <a:r>
+              <a:rPr lang="en-US" altLang="zh-CN" sz="1000" dirty="0" smtClean="0">
+                <a:latin typeface="微软雅黑" pitchFamily="34" charset="-122"/>
+                <a:ea typeface="微软雅黑" pitchFamily="34" charset="-122"/>
+              </a:rPr>
+              <a:t>CI tools</a:t>
+            </a:r>
+            <a:endParaRPr lang="zh-CN" altLang="en-US" sz="1000" dirty="0">
+              <a:latin typeface="微软雅黑" pitchFamily="34" charset="-122"/>
+              <a:ea typeface="微软雅黑" pitchFamily="34" charset="-122"/>
+            </a:endParaRPr>
+          </a:p>
+        </p:txBody>
+      </p:sp>
+      <p:sp>
+        <p:nvSpPr>
+          <p:cNvPr id="68" name="AutoShape 5"/>
+          <p:cNvSpPr>
+            <a:spLocks noChangeArrowheads="1"/>
+          </p:cNvSpPr>
+          <p:nvPr/>
+        </p:nvSpPr>
+        <p:spPr bwMode="auto">
+          <a:xfrm>
+            <a:off x="1159272" y="1805902"/>
+            <a:ext cx="792088" cy="216024"/>
+          </a:xfrm>
+          <a:prstGeom prst="roundRect">
+            <a:avLst>
+              <a:gd name="adj" fmla="val 16667"/>
+            </a:avLst>
+          </a:prstGeom>
+          <a:solidFill>
+            <a:srgbClr val="92D050"/>
+          </a:solidFill>
+          <a:ln w="9525">
+            <a:noFill/>
+            <a:round/>
+            <a:headEnd/>
+            <a:tailEnd/>
+          </a:ln>
+          <a:effectLst>
+            <a:outerShdw blurRad="44450" dist="27940" dir="5400000" algn="ctr">
+              <a:srgbClr val="000000">
+                <a:alpha val="32000"/>
+              </a:srgbClr>
+            </a:outerShdw>
+          </a:effectLst>
+          <a:scene3d>
+            <a:camera prst="orthographicFront">
+              <a:rot lat="0" lon="0" rev="0"/>
+            </a:camera>
+            <a:lightRig rig="balanced" dir="t">
+              <a:rot lat="0" lon="0" rev="8700000"/>
+            </a:lightRig>
+          </a:scene3d>
+          <a:sp3d>
+            <a:bevelT w="190500" h="38100"/>
+          </a:sp3d>
+        </p:spPr>
+        <p:txBody>
+          <a:bodyPr wrap="none" lIns="117244" tIns="58622" rIns="117244" bIns="58622" anchor="ctr"/>
+          <a:lstStyle/>
+          <a:p>
+            <a:pPr algn="ctr"/>
+            <a:r>
+              <a:rPr lang="en-US" altLang="zh-CN" sz="800" dirty="0" smtClean="0">
+                <a:latin typeface="微软雅黑" pitchFamily="34" charset="-122"/>
+                <a:ea typeface="微软雅黑" pitchFamily="34" charset="-122"/>
+              </a:rPr>
+              <a:t>Code</a:t>
+            </a:r>
+          </a:p>
+          <a:p>
+            <a:pPr algn="ctr"/>
+            <a:r>
+              <a:rPr lang="en-US" altLang="zh-CN" sz="800" dirty="0" smtClean="0">
+                <a:latin typeface="微软雅黑" pitchFamily="34" charset="-122"/>
+                <a:ea typeface="微软雅黑" pitchFamily="34" charset="-122"/>
+              </a:rPr>
+              <a:t>compiling</a:t>
+            </a:r>
+            <a:endParaRPr lang="zh-CN" altLang="en-US" sz="800" dirty="0">
+              <a:latin typeface="微软雅黑" pitchFamily="34" charset="-122"/>
+              <a:ea typeface="微软雅黑" pitchFamily="34" charset="-122"/>
+            </a:endParaRPr>
+          </a:p>
+        </p:txBody>
+      </p:sp>
+      <p:sp>
+        <p:nvSpPr>
+          <p:cNvPr id="69" name="AutoShape 5"/>
+          <p:cNvSpPr>
+            <a:spLocks noChangeArrowheads="1"/>
+          </p:cNvSpPr>
+          <p:nvPr/>
+        </p:nvSpPr>
+        <p:spPr bwMode="auto">
+          <a:xfrm>
+            <a:off x="2152080" y="1812990"/>
+            <a:ext cx="792088" cy="216024"/>
+          </a:xfrm>
+          <a:prstGeom prst="roundRect">
+            <a:avLst>
+              <a:gd name="adj" fmla="val 16667"/>
+            </a:avLst>
+          </a:prstGeom>
+          <a:solidFill>
+            <a:srgbClr val="92D050"/>
+          </a:solidFill>
+          <a:ln w="9525">
+            <a:noFill/>
+            <a:round/>
+            <a:headEnd/>
+            <a:tailEnd/>
+          </a:ln>
+          <a:effectLst>
+            <a:outerShdw blurRad="44450" dist="27940" dir="5400000" algn="ctr">
+              <a:srgbClr val="000000">
+                <a:alpha val="32000"/>
+              </a:srgbClr>
+            </a:outerShdw>
+          </a:effectLst>
+          <a:scene3d>
+            <a:camera prst="orthographicFront">
+              <a:rot lat="0" lon="0" rev="0"/>
+            </a:camera>
+            <a:lightRig rig="balanced" dir="t">
+              <a:rot lat="0" lon="0" rev="8700000"/>
+            </a:lightRig>
+          </a:scene3d>
+          <a:sp3d>
+            <a:bevelT w="190500" h="38100"/>
+          </a:sp3d>
+        </p:spPr>
+        <p:txBody>
+          <a:bodyPr wrap="none" lIns="117244" tIns="58622" rIns="117244" bIns="58622" anchor="ctr"/>
+          <a:lstStyle/>
+          <a:p>
+            <a:pPr algn="ctr"/>
+            <a:r>
+              <a:rPr lang="en-US" altLang="zh-CN" sz="800" dirty="0" smtClean="0">
+                <a:latin typeface="微软雅黑" pitchFamily="34" charset="-122"/>
+                <a:ea typeface="微软雅黑" pitchFamily="34" charset="-122"/>
+              </a:rPr>
+              <a:t>Code</a:t>
+            </a:r>
+          </a:p>
+          <a:p>
+            <a:pPr algn="ctr"/>
+            <a:r>
+              <a:rPr lang="en-US" altLang="zh-CN" sz="800" dirty="0" smtClean="0">
+                <a:latin typeface="微软雅黑" pitchFamily="34" charset="-122"/>
+                <a:ea typeface="微软雅黑" pitchFamily="34" charset="-122"/>
+              </a:rPr>
+              <a:t>compiling</a:t>
+            </a:r>
+            <a:endParaRPr lang="zh-CN" altLang="en-US" sz="800" dirty="0">
+              <a:latin typeface="微软雅黑" pitchFamily="34" charset="-122"/>
+              <a:ea typeface="微软雅黑" pitchFamily="34" charset="-122"/>
+            </a:endParaRPr>
+          </a:p>
+        </p:txBody>
+      </p:sp>
+      <p:sp>
+        <p:nvSpPr>
+          <p:cNvPr id="70" name="AutoShape 5"/>
+          <p:cNvSpPr>
+            <a:spLocks noChangeArrowheads="1"/>
+          </p:cNvSpPr>
+          <p:nvPr/>
+        </p:nvSpPr>
+        <p:spPr bwMode="auto">
+          <a:xfrm>
+            <a:off x="3173704" y="1814158"/>
+            <a:ext cx="792088" cy="216024"/>
+          </a:xfrm>
+          <a:prstGeom prst="roundRect">
+            <a:avLst>
+              <a:gd name="adj" fmla="val 16667"/>
+            </a:avLst>
+          </a:prstGeom>
+          <a:solidFill>
+            <a:srgbClr val="92D050"/>
+          </a:solidFill>
+          <a:ln w="9525">
+            <a:noFill/>
+            <a:round/>
+            <a:headEnd/>
+            <a:tailEnd/>
+          </a:ln>
+          <a:effectLst>
+            <a:outerShdw blurRad="44450" dist="27940" dir="5400000" algn="ctr">
+              <a:srgbClr val="000000">
+                <a:alpha val="32000"/>
+              </a:srgbClr>
+            </a:outerShdw>
+          </a:effectLst>
+          <a:scene3d>
+            <a:camera prst="orthographicFront">
+              <a:rot lat="0" lon="0" rev="0"/>
+            </a:camera>
+            <a:lightRig rig="balanced" dir="t">
+              <a:rot lat="0" lon="0" rev="8700000"/>
+            </a:lightRig>
+          </a:scene3d>
+          <a:sp3d>
+            <a:bevelT w="190500" h="38100"/>
+          </a:sp3d>
+        </p:spPr>
+        <p:txBody>
+          <a:bodyPr wrap="none" lIns="117244" tIns="58622" rIns="117244" bIns="58622" anchor="ctr"/>
+          <a:lstStyle/>
+          <a:p>
+            <a:pPr algn="ctr"/>
+            <a:r>
+              <a:rPr lang="en-US" altLang="zh-CN" sz="800" dirty="0" smtClean="0">
+                <a:latin typeface="微软雅黑" pitchFamily="34" charset="-122"/>
+                <a:ea typeface="微软雅黑" pitchFamily="34" charset="-122"/>
+              </a:rPr>
+              <a:t>Code</a:t>
+            </a:r>
+          </a:p>
+          <a:p>
+            <a:pPr algn="ctr"/>
+            <a:r>
+              <a:rPr lang="en-US" altLang="zh-CN" sz="800" dirty="0" smtClean="0">
+                <a:latin typeface="微软雅黑" pitchFamily="34" charset="-122"/>
+                <a:ea typeface="微软雅黑" pitchFamily="34" charset="-122"/>
+              </a:rPr>
+              <a:t>compiling</a:t>
+            </a:r>
+            <a:endParaRPr lang="zh-CN" altLang="en-US" sz="800" dirty="0">
+              <a:latin typeface="微软雅黑" pitchFamily="34" charset="-122"/>
+              <a:ea typeface="微软雅黑" pitchFamily="34" charset="-122"/>
+            </a:endParaRPr>
+          </a:p>
+        </p:txBody>
+      </p:sp>
+      <p:sp>
+        <p:nvSpPr>
+          <p:cNvPr id="71" name="AutoShape 5"/>
+          <p:cNvSpPr>
+            <a:spLocks noChangeArrowheads="1"/>
+          </p:cNvSpPr>
+          <p:nvPr/>
+        </p:nvSpPr>
+        <p:spPr bwMode="auto">
+          <a:xfrm>
+            <a:off x="4181816" y="1819182"/>
+            <a:ext cx="792088" cy="216024"/>
+          </a:xfrm>
+          <a:prstGeom prst="roundRect">
+            <a:avLst>
+              <a:gd name="adj" fmla="val 16667"/>
+            </a:avLst>
+          </a:prstGeom>
+          <a:solidFill>
+            <a:srgbClr val="92D050"/>
+          </a:solidFill>
+          <a:ln w="9525">
+            <a:noFill/>
+            <a:round/>
+            <a:headEnd/>
+            <a:tailEnd/>
+          </a:ln>
+          <a:effectLst>
+            <a:outerShdw blurRad="44450" dist="27940" dir="5400000" algn="ctr">
+              <a:srgbClr val="000000">
+                <a:alpha val="32000"/>
+              </a:srgbClr>
+            </a:outerShdw>
+          </a:effectLst>
+          <a:scene3d>
+            <a:camera prst="orthographicFront">
+              <a:rot lat="0" lon="0" rev="0"/>
+            </a:camera>
+            <a:lightRig rig="balanced" dir="t">
+              <a:rot lat="0" lon="0" rev="8700000"/>
+            </a:lightRig>
+          </a:scene3d>
+          <a:sp3d>
+            <a:bevelT w="190500" h="38100"/>
+          </a:sp3d>
+        </p:spPr>
+        <p:txBody>
+          <a:bodyPr wrap="none" lIns="117244" tIns="58622" rIns="117244" bIns="58622" anchor="ctr"/>
+          <a:lstStyle/>
+          <a:p>
+            <a:pPr algn="ctr"/>
+            <a:r>
+              <a:rPr lang="en-US" altLang="zh-CN" sz="800" dirty="0" smtClean="0">
+                <a:latin typeface="微软雅黑" pitchFamily="34" charset="-122"/>
+                <a:ea typeface="微软雅黑" pitchFamily="34" charset="-122"/>
+              </a:rPr>
+              <a:t>Code</a:t>
+            </a:r>
+          </a:p>
+          <a:p>
+            <a:pPr algn="ctr"/>
+            <a:r>
+              <a:rPr lang="en-US" altLang="zh-CN" sz="800" dirty="0" smtClean="0">
+                <a:latin typeface="微软雅黑" pitchFamily="34" charset="-122"/>
+                <a:ea typeface="微软雅黑" pitchFamily="34" charset="-122"/>
+              </a:rPr>
+              <a:t>compiling</a:t>
+            </a:r>
+            <a:endParaRPr lang="zh-CN" altLang="en-US" sz="800" dirty="0">
+              <a:latin typeface="微软雅黑" pitchFamily="34" charset="-122"/>
+              <a:ea typeface="微软雅黑" pitchFamily="34" charset="-122"/>
+            </a:endParaRPr>
+          </a:p>
+        </p:txBody>
+      </p:sp>
+      <p:sp>
+        <p:nvSpPr>
+          <p:cNvPr id="72" name="AutoShape 5"/>
+          <p:cNvSpPr>
+            <a:spLocks noChangeArrowheads="1"/>
+          </p:cNvSpPr>
+          <p:nvPr/>
+        </p:nvSpPr>
+        <p:spPr bwMode="auto">
+          <a:xfrm>
+            <a:off x="5194952" y="1819182"/>
+            <a:ext cx="792088" cy="216024"/>
+          </a:xfrm>
+          <a:prstGeom prst="roundRect">
+            <a:avLst>
+              <a:gd name="adj" fmla="val 16667"/>
+            </a:avLst>
+          </a:prstGeom>
+          <a:solidFill>
+            <a:srgbClr val="92D050"/>
+          </a:solidFill>
+          <a:ln w="9525">
+            <a:noFill/>
+            <a:round/>
+            <a:headEnd/>
+            <a:tailEnd/>
+          </a:ln>
+          <a:effectLst>
+            <a:outerShdw blurRad="44450" dist="27940" dir="5400000" algn="ctr">
+              <a:srgbClr val="000000">
+                <a:alpha val="32000"/>
+              </a:srgbClr>
+            </a:outerShdw>
+          </a:effectLst>
+          <a:scene3d>
+            <a:camera prst="orthographicFront">
+              <a:rot lat="0" lon="0" rev="0"/>
+            </a:camera>
+            <a:lightRig rig="balanced" dir="t">
+              <a:rot lat="0" lon="0" rev="8700000"/>
+            </a:lightRig>
+          </a:scene3d>
+          <a:sp3d>
+            <a:bevelT w="190500" h="38100"/>
+          </a:sp3d>
+        </p:spPr>
+        <p:txBody>
+          <a:bodyPr wrap="none" lIns="117244" tIns="58622" rIns="117244" bIns="58622" anchor="ctr"/>
+          <a:lstStyle/>
+          <a:p>
+            <a:pPr algn="ctr"/>
+            <a:r>
+              <a:rPr lang="en-US" altLang="zh-CN" sz="800" dirty="0" smtClean="0">
+                <a:latin typeface="微软雅黑" pitchFamily="34" charset="-122"/>
+                <a:ea typeface="微软雅黑" pitchFamily="34" charset="-122"/>
+              </a:rPr>
+              <a:t>Code</a:t>
+            </a:r>
+          </a:p>
+          <a:p>
+            <a:pPr algn="ctr"/>
+            <a:r>
+              <a:rPr lang="en-US" altLang="zh-CN" sz="800" dirty="0" smtClean="0">
+                <a:latin typeface="微软雅黑" pitchFamily="34" charset="-122"/>
+                <a:ea typeface="微软雅黑" pitchFamily="34" charset="-122"/>
+              </a:rPr>
+              <a:t>compiling</a:t>
+            </a:r>
+            <a:endParaRPr lang="zh-CN" altLang="en-US" sz="800" dirty="0">
+              <a:latin typeface="微软雅黑" pitchFamily="34" charset="-122"/>
+              <a:ea typeface="微软雅黑" pitchFamily="34" charset="-122"/>
+            </a:endParaRPr>
+          </a:p>
+        </p:txBody>
+      </p:sp>
+      <p:sp>
+        <p:nvSpPr>
+          <p:cNvPr id="73" name="AutoShape 5"/>
+          <p:cNvSpPr>
+            <a:spLocks noChangeArrowheads="1"/>
+          </p:cNvSpPr>
+          <p:nvPr/>
+        </p:nvSpPr>
+        <p:spPr bwMode="auto">
+          <a:xfrm>
+            <a:off x="6126032" y="1824206"/>
+            <a:ext cx="792088" cy="216024"/>
+          </a:xfrm>
+          <a:prstGeom prst="roundRect">
+            <a:avLst>
+              <a:gd name="adj" fmla="val 16667"/>
+            </a:avLst>
+          </a:prstGeom>
+          <a:solidFill>
+            <a:srgbClr val="92D050"/>
+          </a:solidFill>
+          <a:ln w="9525">
+            <a:noFill/>
+            <a:round/>
+            <a:headEnd/>
+            <a:tailEnd/>
+          </a:ln>
+          <a:effectLst>
+            <a:outerShdw blurRad="44450" dist="27940" dir="5400000" algn="ctr">
+              <a:srgbClr val="000000">
+                <a:alpha val="32000"/>
+              </a:srgbClr>
+            </a:outerShdw>
+          </a:effectLst>
+          <a:scene3d>
+            <a:camera prst="orthographicFront">
+              <a:rot lat="0" lon="0" rev="0"/>
+            </a:camera>
+            <a:lightRig rig="balanced" dir="t">
+              <a:rot lat="0" lon="0" rev="8700000"/>
+            </a:lightRig>
+          </a:scene3d>
+          <a:sp3d>
+            <a:bevelT w="190500" h="38100"/>
+          </a:sp3d>
+        </p:spPr>
+        <p:txBody>
+          <a:bodyPr wrap="none" lIns="117244" tIns="58622" rIns="117244" bIns="58622" anchor="ctr"/>
+          <a:lstStyle/>
+          <a:p>
+            <a:pPr algn="ctr"/>
+            <a:r>
+              <a:rPr lang="en-US" altLang="zh-CN" sz="800" dirty="0" smtClean="0">
+                <a:latin typeface="微软雅黑" pitchFamily="34" charset="-122"/>
+                <a:ea typeface="微软雅黑" pitchFamily="34" charset="-122"/>
+              </a:rPr>
+              <a:t>Code</a:t>
+            </a:r>
+          </a:p>
+          <a:p>
+            <a:pPr algn="ctr"/>
+            <a:r>
+              <a:rPr lang="en-US" altLang="zh-CN" sz="800" dirty="0" smtClean="0">
+                <a:latin typeface="微软雅黑" pitchFamily="34" charset="-122"/>
+                <a:ea typeface="微软雅黑" pitchFamily="34" charset="-122"/>
+              </a:rPr>
+              <a:t>compiling</a:t>
+            </a:r>
+            <a:endParaRPr lang="zh-CN" altLang="en-US" sz="800" dirty="0">
+              <a:latin typeface="微软雅黑" pitchFamily="34" charset="-122"/>
+              <a:ea typeface="微软雅黑" pitchFamily="34" charset="-122"/>
+            </a:endParaRPr>
+          </a:p>
+        </p:txBody>
+      </p:sp>
+      <p:sp>
+        <p:nvSpPr>
+          <p:cNvPr id="74" name="AutoShape 5"/>
+          <p:cNvSpPr>
+            <a:spLocks noChangeArrowheads="1"/>
+          </p:cNvSpPr>
+          <p:nvPr/>
+        </p:nvSpPr>
+        <p:spPr bwMode="auto">
+          <a:xfrm>
+            <a:off x="1167528" y="2204718"/>
+            <a:ext cx="792088" cy="216024"/>
+          </a:xfrm>
+          <a:prstGeom prst="roundRect">
+            <a:avLst>
+              <a:gd name="adj" fmla="val 16667"/>
+            </a:avLst>
+          </a:prstGeom>
+          <a:solidFill>
+            <a:srgbClr val="92D050"/>
+          </a:solidFill>
+          <a:ln w="9525">
+            <a:noFill/>
+            <a:round/>
+            <a:headEnd/>
+            <a:tailEnd/>
+          </a:ln>
+          <a:effectLst>
+            <a:outerShdw blurRad="44450" dist="27940" dir="5400000" algn="ctr">
+              <a:srgbClr val="000000">
+                <a:alpha val="32000"/>
+              </a:srgbClr>
+            </a:outerShdw>
+          </a:effectLst>
+          <a:scene3d>
+            <a:camera prst="orthographicFront">
+              <a:rot lat="0" lon="0" rev="0"/>
+            </a:camera>
+            <a:lightRig rig="balanced" dir="t">
+              <a:rot lat="0" lon="0" rev="8700000"/>
+            </a:lightRig>
+          </a:scene3d>
+          <a:sp3d>
+            <a:bevelT w="190500" h="38100"/>
+          </a:sp3d>
+        </p:spPr>
+        <p:txBody>
+          <a:bodyPr wrap="none" lIns="117244" tIns="58622" rIns="117244" bIns="58622" anchor="ctr"/>
+          <a:lstStyle/>
+          <a:p>
+            <a:pPr algn="ctr"/>
+            <a:r>
+              <a:rPr lang="en-US" altLang="zh-CN" sz="1000" dirty="0" err="1" smtClean="0">
+                <a:latin typeface="微软雅黑" pitchFamily="34" charset="-122"/>
+                <a:ea typeface="微软雅黑" pitchFamily="34" charset="-122"/>
+              </a:rPr>
+              <a:t>Hadoop</a:t>
+            </a:r>
+            <a:r>
+              <a:rPr lang="en-US" altLang="zh-CN" sz="1000" dirty="0" smtClean="0">
+                <a:latin typeface="微软雅黑" pitchFamily="34" charset="-122"/>
+                <a:ea typeface="微软雅黑" pitchFamily="34" charset="-122"/>
+              </a:rPr>
+              <a:t> test</a:t>
+            </a:r>
+            <a:endParaRPr lang="zh-CN" altLang="en-US" sz="1000" dirty="0">
+              <a:latin typeface="微软雅黑" pitchFamily="34" charset="-122"/>
+              <a:ea typeface="微软雅黑" pitchFamily="34" charset="-122"/>
+            </a:endParaRPr>
+          </a:p>
+        </p:txBody>
+      </p:sp>
+      <p:sp>
+        <p:nvSpPr>
+          <p:cNvPr id="75" name="AutoShape 5"/>
+          <p:cNvSpPr>
+            <a:spLocks noChangeArrowheads="1"/>
+          </p:cNvSpPr>
+          <p:nvPr/>
+        </p:nvSpPr>
+        <p:spPr bwMode="auto">
+          <a:xfrm>
+            <a:off x="1167528" y="2440838"/>
+            <a:ext cx="792088" cy="216024"/>
+          </a:xfrm>
+          <a:prstGeom prst="roundRect">
+            <a:avLst>
+              <a:gd name="adj" fmla="val 16667"/>
+            </a:avLst>
+          </a:prstGeom>
+          <a:solidFill>
+            <a:srgbClr val="92D050"/>
+          </a:solidFill>
+          <a:ln w="9525">
+            <a:noFill/>
+            <a:round/>
+            <a:headEnd/>
+            <a:tailEnd/>
+          </a:ln>
+          <a:effectLst>
+            <a:outerShdw blurRad="44450" dist="27940" dir="5400000" algn="ctr">
+              <a:srgbClr val="000000">
+                <a:alpha val="32000"/>
+              </a:srgbClr>
+            </a:outerShdw>
+          </a:effectLst>
+          <a:scene3d>
+            <a:camera prst="orthographicFront">
+              <a:rot lat="0" lon="0" rev="0"/>
+            </a:camera>
+            <a:lightRig rig="balanced" dir="t">
+              <a:rot lat="0" lon="0" rev="8700000"/>
+            </a:lightRig>
+          </a:scene3d>
+          <a:sp3d>
+            <a:bevelT w="190500" h="38100"/>
+          </a:sp3d>
+        </p:spPr>
+        <p:txBody>
+          <a:bodyPr wrap="none" lIns="117244" tIns="58622" rIns="117244" bIns="58622" anchor="ctr"/>
+          <a:lstStyle/>
+          <a:p>
+            <a:pPr algn="ctr"/>
+            <a:r>
+              <a:rPr lang="en-US" altLang="zh-CN" sz="800" dirty="0" smtClean="0">
+                <a:latin typeface="微软雅黑" pitchFamily="34" charset="-122"/>
+                <a:ea typeface="微软雅黑" pitchFamily="34" charset="-122"/>
+              </a:rPr>
+              <a:t>Compatibility</a:t>
+            </a:r>
+          </a:p>
+          <a:p>
+            <a:pPr algn="ctr"/>
+            <a:r>
+              <a:rPr lang="en-US" altLang="zh-CN" sz="800" dirty="0" smtClean="0">
+                <a:latin typeface="微软雅黑" pitchFamily="34" charset="-122"/>
+                <a:ea typeface="微软雅黑" pitchFamily="34" charset="-122"/>
+              </a:rPr>
+              <a:t>test</a:t>
+            </a:r>
+            <a:endParaRPr lang="zh-CN" altLang="en-US" sz="800" dirty="0">
+              <a:latin typeface="微软雅黑" pitchFamily="34" charset="-122"/>
+              <a:ea typeface="微软雅黑" pitchFamily="34" charset="-122"/>
+            </a:endParaRPr>
+          </a:p>
+        </p:txBody>
+      </p:sp>
+      <p:sp>
+        <p:nvSpPr>
+          <p:cNvPr id="76" name="AutoShape 5"/>
+          <p:cNvSpPr>
+            <a:spLocks noChangeArrowheads="1"/>
+          </p:cNvSpPr>
+          <p:nvPr/>
+        </p:nvSpPr>
+        <p:spPr bwMode="auto">
+          <a:xfrm>
+            <a:off x="3168680" y="2199694"/>
+            <a:ext cx="792088" cy="216024"/>
+          </a:xfrm>
+          <a:prstGeom prst="roundRect">
+            <a:avLst>
+              <a:gd name="adj" fmla="val 16667"/>
+            </a:avLst>
+          </a:prstGeom>
+          <a:solidFill>
+            <a:srgbClr val="92D050"/>
+          </a:solidFill>
+          <a:ln w="9525">
+            <a:noFill/>
+            <a:round/>
+            <a:headEnd/>
+            <a:tailEnd/>
+          </a:ln>
+          <a:effectLst>
+            <a:outerShdw blurRad="44450" dist="27940" dir="5400000" algn="ctr">
+              <a:srgbClr val="000000">
+                <a:alpha val="32000"/>
+              </a:srgbClr>
+            </a:outerShdw>
+          </a:effectLst>
+          <a:scene3d>
+            <a:camera prst="orthographicFront">
+              <a:rot lat="0" lon="0" rev="0"/>
+            </a:camera>
+            <a:lightRig rig="balanced" dir="t">
+              <a:rot lat="0" lon="0" rev="8700000"/>
+            </a:lightRig>
+          </a:scene3d>
+          <a:sp3d>
+            <a:bevelT w="190500" h="38100"/>
+          </a:sp3d>
+        </p:spPr>
+        <p:txBody>
+          <a:bodyPr wrap="none" lIns="117244" tIns="58622" rIns="117244" bIns="58622" anchor="ctr"/>
+          <a:lstStyle/>
+          <a:p>
+            <a:pPr algn="ctr"/>
+            <a:r>
+              <a:rPr lang="en-US" altLang="zh-CN" sz="900" dirty="0" smtClean="0">
+                <a:latin typeface="微软雅黑" pitchFamily="34" charset="-122"/>
+                <a:ea typeface="微软雅黑" pitchFamily="34" charset="-122"/>
+              </a:rPr>
+              <a:t>App for kernel</a:t>
+            </a:r>
+            <a:endParaRPr lang="zh-CN" altLang="en-US" sz="900" dirty="0">
+              <a:latin typeface="微软雅黑" pitchFamily="34" charset="-122"/>
+              <a:ea typeface="微软雅黑" pitchFamily="34" charset="-122"/>
+            </a:endParaRPr>
+          </a:p>
+        </p:txBody>
+      </p:sp>
+      <p:sp>
+        <p:nvSpPr>
+          <p:cNvPr id="77" name="AutoShape 5"/>
+          <p:cNvSpPr>
+            <a:spLocks noChangeArrowheads="1"/>
+          </p:cNvSpPr>
+          <p:nvPr/>
+        </p:nvSpPr>
+        <p:spPr bwMode="auto">
+          <a:xfrm>
+            <a:off x="4175120" y="2301846"/>
+            <a:ext cx="792088" cy="216024"/>
+          </a:xfrm>
+          <a:prstGeom prst="roundRect">
+            <a:avLst>
+              <a:gd name="adj" fmla="val 16667"/>
+            </a:avLst>
+          </a:prstGeom>
+          <a:solidFill>
+            <a:srgbClr val="92D050"/>
+          </a:solidFill>
+          <a:ln w="9525">
+            <a:noFill/>
+            <a:round/>
+            <a:headEnd/>
+            <a:tailEnd/>
+          </a:ln>
+          <a:effectLst>
+            <a:outerShdw blurRad="44450" dist="27940" dir="5400000" algn="ctr">
+              <a:srgbClr val="000000">
+                <a:alpha val="32000"/>
+              </a:srgbClr>
+            </a:outerShdw>
+          </a:effectLst>
+          <a:scene3d>
+            <a:camera prst="orthographicFront">
+              <a:rot lat="0" lon="0" rev="0"/>
+            </a:camera>
+            <a:lightRig rig="balanced" dir="t">
+              <a:rot lat="0" lon="0" rev="8700000"/>
+            </a:lightRig>
+          </a:scene3d>
+          <a:sp3d>
+            <a:bevelT w="190500" h="38100"/>
+          </a:sp3d>
+        </p:spPr>
+        <p:txBody>
+          <a:bodyPr wrap="none" lIns="117244" tIns="58622" rIns="117244" bIns="58622" anchor="ctr"/>
+          <a:lstStyle/>
+          <a:p>
+            <a:pPr algn="ctr"/>
+            <a:r>
+              <a:rPr lang="en-US" altLang="zh-CN" sz="1000" dirty="0" smtClean="0">
+                <a:latin typeface="微软雅黑" pitchFamily="34" charset="-122"/>
+                <a:ea typeface="微软雅黑" pitchFamily="34" charset="-122"/>
+              </a:rPr>
+              <a:t>chrome</a:t>
+            </a:r>
+            <a:endParaRPr lang="zh-CN" altLang="en-US" sz="1000" dirty="0">
+              <a:latin typeface="微软雅黑" pitchFamily="34" charset="-122"/>
+              <a:ea typeface="微软雅黑" pitchFamily="34" charset="-122"/>
+            </a:endParaRPr>
+          </a:p>
+        </p:txBody>
+      </p:sp>
+      <p:sp>
+        <p:nvSpPr>
+          <p:cNvPr id="78" name="AutoShape 5"/>
+          <p:cNvSpPr>
+            <a:spLocks noChangeArrowheads="1"/>
+          </p:cNvSpPr>
+          <p:nvPr/>
+        </p:nvSpPr>
+        <p:spPr bwMode="auto">
+          <a:xfrm>
+            <a:off x="6119336" y="2201118"/>
+            <a:ext cx="792088" cy="216024"/>
+          </a:xfrm>
+          <a:prstGeom prst="roundRect">
+            <a:avLst>
+              <a:gd name="adj" fmla="val 16667"/>
+            </a:avLst>
+          </a:prstGeom>
+          <a:solidFill>
+            <a:srgbClr val="92D050"/>
+          </a:solidFill>
+          <a:ln w="9525">
+            <a:noFill/>
+            <a:round/>
+            <a:headEnd/>
+            <a:tailEnd/>
+          </a:ln>
+          <a:effectLst>
+            <a:outerShdw blurRad="44450" dist="27940" dir="5400000" algn="ctr">
+              <a:srgbClr val="000000">
+                <a:alpha val="32000"/>
+              </a:srgbClr>
+            </a:outerShdw>
+          </a:effectLst>
+          <a:scene3d>
+            <a:camera prst="orthographicFront">
+              <a:rot lat="0" lon="0" rev="0"/>
+            </a:camera>
+            <a:lightRig rig="balanced" dir="t">
+              <a:rot lat="0" lon="0" rev="8700000"/>
+            </a:lightRig>
+          </a:scene3d>
+          <a:sp3d>
+            <a:bevelT w="190500" h="38100"/>
+          </a:sp3d>
+        </p:spPr>
+        <p:txBody>
+          <a:bodyPr wrap="none" lIns="117244" tIns="58622" rIns="117244" bIns="58622" anchor="ctr"/>
+          <a:lstStyle/>
+          <a:p>
+            <a:pPr algn="ctr"/>
+            <a:r>
+              <a:rPr lang="en-US" altLang="zh-CN" sz="1000" dirty="0" smtClean="0">
+                <a:latin typeface="微软雅黑" pitchFamily="34" charset="-122"/>
+                <a:ea typeface="微软雅黑" pitchFamily="34" charset="-122"/>
+              </a:rPr>
+              <a:t>Web app test</a:t>
+            </a:r>
+            <a:endParaRPr lang="zh-CN" altLang="en-US" sz="1000" dirty="0">
+              <a:latin typeface="微软雅黑" pitchFamily="34" charset="-122"/>
+              <a:ea typeface="微软雅黑" pitchFamily="34" charset="-122"/>
+            </a:endParaRPr>
+          </a:p>
+        </p:txBody>
+      </p:sp>
+      <p:sp>
+        <p:nvSpPr>
+          <p:cNvPr id="79" name="AutoShape 5"/>
+          <p:cNvSpPr>
+            <a:spLocks noChangeArrowheads="1"/>
+          </p:cNvSpPr>
+          <p:nvPr/>
+        </p:nvSpPr>
+        <p:spPr bwMode="auto">
+          <a:xfrm>
+            <a:off x="1167528" y="2965910"/>
+            <a:ext cx="792088" cy="216024"/>
+          </a:xfrm>
+          <a:prstGeom prst="roundRect">
+            <a:avLst>
+              <a:gd name="adj" fmla="val 16667"/>
+            </a:avLst>
+          </a:prstGeom>
+          <a:solidFill>
+            <a:srgbClr val="FFFF00"/>
+          </a:solidFill>
+          <a:ln w="9525">
+            <a:noFill/>
+            <a:round/>
+            <a:headEnd/>
+            <a:tailEnd/>
+          </a:ln>
+          <a:effectLst>
+            <a:outerShdw blurRad="44450" dist="27940" dir="5400000" algn="ctr">
+              <a:srgbClr val="000000">
+                <a:alpha val="32000"/>
+              </a:srgbClr>
+            </a:outerShdw>
+          </a:effectLst>
+          <a:scene3d>
+            <a:camera prst="orthographicFront">
+              <a:rot lat="0" lon="0" rev="0"/>
+            </a:camera>
+            <a:lightRig rig="balanced" dir="t">
+              <a:rot lat="0" lon="0" rev="8700000"/>
+            </a:lightRig>
+          </a:scene3d>
+          <a:sp3d>
+            <a:bevelT w="190500" h="38100"/>
+          </a:sp3d>
+        </p:spPr>
+        <p:txBody>
+          <a:bodyPr wrap="none" lIns="117244" tIns="58622" rIns="117244" bIns="58622" anchor="ctr"/>
+          <a:lstStyle/>
+          <a:p>
+            <a:pPr algn="ctr"/>
+            <a:r>
+              <a:rPr lang="en-US" altLang="zh-CN" sz="1000" dirty="0" smtClean="0">
+                <a:latin typeface="微软雅黑" pitchFamily="34" charset="-122"/>
+                <a:ea typeface="微软雅黑" pitchFamily="34" charset="-122"/>
+              </a:rPr>
+              <a:t>Package test</a:t>
+            </a:r>
+            <a:endParaRPr lang="zh-CN" altLang="en-US" sz="1000" dirty="0">
+              <a:latin typeface="微软雅黑" pitchFamily="34" charset="-122"/>
+              <a:ea typeface="微软雅黑" pitchFamily="34" charset="-122"/>
+            </a:endParaRPr>
+          </a:p>
+        </p:txBody>
+      </p:sp>
+      <p:sp>
+        <p:nvSpPr>
+          <p:cNvPr id="80" name="AutoShape 5"/>
+          <p:cNvSpPr>
+            <a:spLocks noChangeArrowheads="1"/>
+          </p:cNvSpPr>
+          <p:nvPr/>
+        </p:nvSpPr>
+        <p:spPr bwMode="auto">
+          <a:xfrm>
+            <a:off x="1162504" y="2728118"/>
+            <a:ext cx="792088" cy="216024"/>
+          </a:xfrm>
+          <a:prstGeom prst="roundRect">
+            <a:avLst>
+              <a:gd name="adj" fmla="val 16667"/>
+            </a:avLst>
+          </a:prstGeom>
+          <a:solidFill>
+            <a:srgbClr val="FFFF00"/>
+          </a:solidFill>
+          <a:ln w="9525">
+            <a:noFill/>
+            <a:round/>
+            <a:headEnd/>
+            <a:tailEnd/>
+          </a:ln>
+          <a:effectLst>
+            <a:outerShdw blurRad="44450" dist="27940" dir="5400000" algn="ctr">
+              <a:srgbClr val="000000">
+                <a:alpha val="32000"/>
+              </a:srgbClr>
+            </a:outerShdw>
+          </a:effectLst>
+          <a:scene3d>
+            <a:camera prst="orthographicFront">
+              <a:rot lat="0" lon="0" rev="0"/>
+            </a:camera>
+            <a:lightRig rig="balanced" dir="t">
+              <a:rot lat="0" lon="0" rev="8700000"/>
+            </a:lightRig>
+          </a:scene3d>
+          <a:sp3d>
+            <a:bevelT w="190500" h="38100"/>
+          </a:sp3d>
+        </p:spPr>
+        <p:txBody>
+          <a:bodyPr wrap="none" lIns="117244" tIns="58622" rIns="117244" bIns="58622" anchor="ctr"/>
+          <a:lstStyle/>
+          <a:p>
+            <a:pPr algn="ctr"/>
+            <a:r>
+              <a:rPr lang="en-US" altLang="zh-CN" sz="800" dirty="0" smtClean="0">
+                <a:latin typeface="微软雅黑" pitchFamily="34" charset="-122"/>
+                <a:ea typeface="微软雅黑" pitchFamily="34" charset="-122"/>
+              </a:rPr>
+              <a:t>Compatibility</a:t>
+            </a:r>
+          </a:p>
+          <a:p>
+            <a:pPr algn="ctr"/>
+            <a:r>
+              <a:rPr lang="en-US" altLang="zh-CN" sz="800" dirty="0" smtClean="0">
+                <a:latin typeface="微软雅黑" pitchFamily="34" charset="-122"/>
+                <a:ea typeface="微软雅黑" pitchFamily="34" charset="-122"/>
+              </a:rPr>
+              <a:t>test</a:t>
+            </a:r>
+            <a:endParaRPr lang="zh-CN" altLang="en-US" sz="800" dirty="0">
+              <a:latin typeface="微软雅黑" pitchFamily="34" charset="-122"/>
+              <a:ea typeface="微软雅黑" pitchFamily="34" charset="-122"/>
+            </a:endParaRPr>
+          </a:p>
+        </p:txBody>
+      </p:sp>
+      <p:sp>
+        <p:nvSpPr>
+          <p:cNvPr id="81" name="AutoShape 5"/>
+          <p:cNvSpPr>
+            <a:spLocks noChangeArrowheads="1"/>
+          </p:cNvSpPr>
+          <p:nvPr/>
+        </p:nvSpPr>
+        <p:spPr bwMode="auto">
+          <a:xfrm>
+            <a:off x="2153872" y="2868782"/>
+            <a:ext cx="792088" cy="216024"/>
+          </a:xfrm>
+          <a:prstGeom prst="roundRect">
+            <a:avLst>
+              <a:gd name="adj" fmla="val 16667"/>
+            </a:avLst>
+          </a:prstGeom>
+          <a:solidFill>
+            <a:srgbClr val="FFFF00"/>
+          </a:solidFill>
+          <a:ln w="9525">
+            <a:noFill/>
+            <a:round/>
+            <a:headEnd/>
+            <a:tailEnd/>
+          </a:ln>
+          <a:effectLst>
+            <a:outerShdw blurRad="44450" dist="27940" dir="5400000" algn="ctr">
+              <a:srgbClr val="000000">
+                <a:alpha val="32000"/>
+              </a:srgbClr>
+            </a:outerShdw>
+          </a:effectLst>
+          <a:scene3d>
+            <a:camera prst="orthographicFront">
+              <a:rot lat="0" lon="0" rev="0"/>
+            </a:camera>
+            <a:lightRig rig="balanced" dir="t">
+              <a:rot lat="0" lon="0" rev="8700000"/>
+            </a:lightRig>
+          </a:scene3d>
+          <a:sp3d>
+            <a:bevelT w="190500" h="38100"/>
+          </a:sp3d>
+        </p:spPr>
+        <p:txBody>
+          <a:bodyPr wrap="none" lIns="117244" tIns="58622" rIns="117244" bIns="58622" anchor="ctr"/>
+          <a:lstStyle/>
+          <a:p>
+            <a:pPr algn="ctr"/>
+            <a:r>
+              <a:rPr lang="en-US" altLang="zh-CN" sz="1000" dirty="0" smtClean="0">
+                <a:latin typeface="微软雅黑" pitchFamily="34" charset="-122"/>
+                <a:ea typeface="微软雅黑" pitchFamily="34" charset="-122"/>
+              </a:rPr>
+              <a:t>Package test</a:t>
+            </a:r>
+            <a:endParaRPr lang="zh-CN" altLang="en-US" sz="1000" dirty="0">
+              <a:latin typeface="微软雅黑" pitchFamily="34" charset="-122"/>
+              <a:ea typeface="微软雅黑" pitchFamily="34" charset="-122"/>
+            </a:endParaRPr>
+          </a:p>
+        </p:txBody>
+      </p:sp>
+      <p:sp>
+        <p:nvSpPr>
+          <p:cNvPr id="82" name="AutoShape 5"/>
+          <p:cNvSpPr>
+            <a:spLocks noChangeArrowheads="1"/>
+          </p:cNvSpPr>
+          <p:nvPr/>
+        </p:nvSpPr>
+        <p:spPr bwMode="auto">
+          <a:xfrm>
+            <a:off x="3173704" y="2868782"/>
+            <a:ext cx="792088" cy="216024"/>
+          </a:xfrm>
+          <a:prstGeom prst="roundRect">
+            <a:avLst>
+              <a:gd name="adj" fmla="val 16667"/>
+            </a:avLst>
+          </a:prstGeom>
+          <a:solidFill>
+            <a:srgbClr val="FFFF00"/>
+          </a:solidFill>
+          <a:ln w="9525">
+            <a:noFill/>
+            <a:round/>
+            <a:headEnd/>
+            <a:tailEnd/>
+          </a:ln>
+          <a:effectLst>
+            <a:outerShdw blurRad="44450" dist="27940" dir="5400000" algn="ctr">
+              <a:srgbClr val="000000">
+                <a:alpha val="32000"/>
+              </a:srgbClr>
+            </a:outerShdw>
+          </a:effectLst>
+          <a:scene3d>
+            <a:camera prst="orthographicFront">
+              <a:rot lat="0" lon="0" rev="0"/>
+            </a:camera>
+            <a:lightRig rig="balanced" dir="t">
+              <a:rot lat="0" lon="0" rev="8700000"/>
+            </a:lightRig>
+          </a:scene3d>
+          <a:sp3d>
+            <a:bevelT w="190500" h="38100"/>
+          </a:sp3d>
+        </p:spPr>
+        <p:txBody>
+          <a:bodyPr wrap="none" lIns="117244" tIns="58622" rIns="117244" bIns="58622" anchor="ctr"/>
+          <a:lstStyle/>
+          <a:p>
+            <a:pPr algn="ctr"/>
+            <a:r>
+              <a:rPr lang="en-US" altLang="zh-CN" sz="1000" dirty="0" smtClean="0">
+                <a:latin typeface="微软雅黑" pitchFamily="34" charset="-122"/>
+                <a:ea typeface="微软雅黑" pitchFamily="34" charset="-122"/>
+              </a:rPr>
+              <a:t>Package test</a:t>
+            </a:r>
+            <a:endParaRPr lang="zh-CN" altLang="en-US" sz="1000" dirty="0">
+              <a:latin typeface="微软雅黑" pitchFamily="34" charset="-122"/>
+              <a:ea typeface="微软雅黑" pitchFamily="34" charset="-122"/>
+            </a:endParaRPr>
+          </a:p>
+        </p:txBody>
+      </p:sp>
+      <p:sp>
+        <p:nvSpPr>
+          <p:cNvPr id="83" name="AutoShape 5"/>
+          <p:cNvSpPr>
+            <a:spLocks noChangeArrowheads="1"/>
+          </p:cNvSpPr>
+          <p:nvPr/>
+        </p:nvSpPr>
+        <p:spPr bwMode="auto">
+          <a:xfrm>
+            <a:off x="3167008" y="2440838"/>
+            <a:ext cx="792088" cy="216024"/>
+          </a:xfrm>
+          <a:prstGeom prst="roundRect">
+            <a:avLst>
+              <a:gd name="adj" fmla="val 16667"/>
+            </a:avLst>
+          </a:prstGeom>
+          <a:solidFill>
+            <a:srgbClr val="FFFF00"/>
+          </a:solidFill>
+          <a:ln w="9525">
+            <a:noFill/>
+            <a:round/>
+            <a:headEnd/>
+            <a:tailEnd/>
+          </a:ln>
+          <a:effectLst>
+            <a:outerShdw blurRad="44450" dist="27940" dir="5400000" algn="ctr">
+              <a:srgbClr val="000000">
+                <a:alpha val="32000"/>
+              </a:srgbClr>
+            </a:outerShdw>
+          </a:effectLst>
+          <a:scene3d>
+            <a:camera prst="orthographicFront">
+              <a:rot lat="0" lon="0" rev="0"/>
+            </a:camera>
+            <a:lightRig rig="balanced" dir="t">
+              <a:rot lat="0" lon="0" rev="8700000"/>
+            </a:lightRig>
+          </a:scene3d>
+          <a:sp3d>
+            <a:bevelT w="190500" h="38100"/>
+          </a:sp3d>
+        </p:spPr>
+        <p:txBody>
+          <a:bodyPr wrap="none" lIns="117244" tIns="58622" rIns="117244" bIns="58622" anchor="ctr"/>
+          <a:lstStyle/>
+          <a:p>
+            <a:pPr algn="ctr"/>
+            <a:r>
+              <a:rPr lang="en-US" altLang="zh-CN" sz="800" dirty="0" err="1" smtClean="0">
+                <a:latin typeface="微软雅黑" pitchFamily="34" charset="-122"/>
+                <a:ea typeface="微软雅黑" pitchFamily="34" charset="-122"/>
+              </a:rPr>
+              <a:t>Opensource</a:t>
+            </a:r>
+            <a:endParaRPr lang="en-US" altLang="zh-CN" sz="800" dirty="0" smtClean="0">
+              <a:latin typeface="微软雅黑" pitchFamily="34" charset="-122"/>
+              <a:ea typeface="微软雅黑" pitchFamily="34" charset="-122"/>
+            </a:endParaRPr>
+          </a:p>
+          <a:p>
+            <a:pPr algn="ctr"/>
+            <a:r>
+              <a:rPr lang="en-US" altLang="zh-CN" sz="800" dirty="0" smtClean="0">
+                <a:latin typeface="微软雅黑" pitchFamily="34" charset="-122"/>
+                <a:ea typeface="微软雅黑" pitchFamily="34" charset="-122"/>
+              </a:rPr>
+              <a:t>test suite</a:t>
+            </a:r>
+            <a:endParaRPr lang="zh-CN" altLang="en-US" sz="800" dirty="0">
+              <a:latin typeface="微软雅黑" pitchFamily="34" charset="-122"/>
+              <a:ea typeface="微软雅黑" pitchFamily="34" charset="-122"/>
+            </a:endParaRPr>
+          </a:p>
+        </p:txBody>
+      </p:sp>
+      <p:sp>
+        <p:nvSpPr>
+          <p:cNvPr id="84" name="AutoShape 5"/>
+          <p:cNvSpPr>
+            <a:spLocks noChangeArrowheads="1"/>
+          </p:cNvSpPr>
+          <p:nvPr/>
+        </p:nvSpPr>
+        <p:spPr bwMode="auto">
+          <a:xfrm>
+            <a:off x="1160832" y="3274038"/>
+            <a:ext cx="792088" cy="216024"/>
+          </a:xfrm>
+          <a:prstGeom prst="roundRect">
+            <a:avLst>
+              <a:gd name="adj" fmla="val 16667"/>
+            </a:avLst>
+          </a:prstGeom>
+          <a:solidFill>
+            <a:srgbClr val="FF0000"/>
+          </a:solidFill>
+          <a:ln w="9525">
+            <a:noFill/>
+            <a:round/>
+            <a:headEnd/>
+            <a:tailEnd/>
+          </a:ln>
+          <a:effectLst>
+            <a:outerShdw blurRad="44450" dist="27940" dir="5400000" algn="ctr">
+              <a:srgbClr val="000000">
+                <a:alpha val="32000"/>
+              </a:srgbClr>
+            </a:outerShdw>
+          </a:effectLst>
+          <a:scene3d>
+            <a:camera prst="orthographicFront">
+              <a:rot lat="0" lon="0" rev="0"/>
+            </a:camera>
+            <a:lightRig rig="balanced" dir="t">
+              <a:rot lat="0" lon="0" rev="8700000"/>
+            </a:lightRig>
+          </a:scene3d>
+          <a:sp3d>
+            <a:bevelT w="190500" h="38100"/>
+          </a:sp3d>
+        </p:spPr>
+        <p:txBody>
+          <a:bodyPr wrap="none" lIns="117244" tIns="58622" rIns="117244" bIns="58622" anchor="ctr"/>
+          <a:lstStyle/>
+          <a:p>
+            <a:pPr algn="ctr"/>
+            <a:r>
+              <a:rPr lang="en-US" altLang="zh-CN" sz="800" dirty="0" smtClean="0">
+                <a:latin typeface="微软雅黑" pitchFamily="34" charset="-122"/>
+                <a:ea typeface="微软雅黑" pitchFamily="34" charset="-122"/>
+              </a:rPr>
+              <a:t>Kernel stress </a:t>
+            </a:r>
+          </a:p>
+          <a:p>
+            <a:pPr algn="ctr"/>
+            <a:r>
+              <a:rPr lang="en-US" altLang="zh-CN" sz="800" dirty="0" smtClean="0">
+                <a:latin typeface="微软雅黑" pitchFamily="34" charset="-122"/>
+                <a:ea typeface="微软雅黑" pitchFamily="34" charset="-122"/>
+              </a:rPr>
+              <a:t>test</a:t>
+            </a:r>
+            <a:endParaRPr lang="zh-CN" altLang="en-US" sz="800" dirty="0">
+              <a:latin typeface="微软雅黑" pitchFamily="34" charset="-122"/>
+              <a:ea typeface="微软雅黑" pitchFamily="34" charset="-122"/>
+            </a:endParaRPr>
+          </a:p>
+        </p:txBody>
+      </p:sp>
+      <p:sp>
+        <p:nvSpPr>
+          <p:cNvPr id="85" name="AutoShape 5"/>
+          <p:cNvSpPr>
+            <a:spLocks noChangeArrowheads="1"/>
+          </p:cNvSpPr>
+          <p:nvPr/>
+        </p:nvSpPr>
+        <p:spPr bwMode="auto">
+          <a:xfrm>
+            <a:off x="1167528" y="3506806"/>
+            <a:ext cx="792088" cy="216024"/>
+          </a:xfrm>
+          <a:prstGeom prst="roundRect">
+            <a:avLst>
+              <a:gd name="adj" fmla="val 16667"/>
+            </a:avLst>
+          </a:prstGeom>
+          <a:solidFill>
+            <a:srgbClr val="FF0000"/>
+          </a:solidFill>
+          <a:ln w="9525">
+            <a:noFill/>
+            <a:round/>
+            <a:headEnd/>
+            <a:tailEnd/>
+          </a:ln>
+          <a:effectLst>
+            <a:outerShdw blurRad="44450" dist="27940" dir="5400000" algn="ctr">
+              <a:srgbClr val="000000">
+                <a:alpha val="32000"/>
+              </a:srgbClr>
+            </a:outerShdw>
+          </a:effectLst>
+          <a:scene3d>
+            <a:camera prst="orthographicFront">
+              <a:rot lat="0" lon="0" rev="0"/>
+            </a:camera>
+            <a:lightRig rig="balanced" dir="t">
+              <a:rot lat="0" lon="0" rev="8700000"/>
+            </a:lightRig>
+          </a:scene3d>
+          <a:sp3d>
+            <a:bevelT w="190500" h="38100"/>
+          </a:sp3d>
+        </p:spPr>
+        <p:txBody>
+          <a:bodyPr wrap="none" lIns="117244" tIns="58622" rIns="117244" bIns="58622" anchor="ctr"/>
+          <a:lstStyle/>
+          <a:p>
+            <a:pPr algn="ctr"/>
+            <a:r>
+              <a:rPr lang="en-US" altLang="zh-CN" sz="800" dirty="0" smtClean="0">
+                <a:latin typeface="微软雅黑" pitchFamily="34" charset="-122"/>
+                <a:ea typeface="微软雅黑" pitchFamily="34" charset="-122"/>
+              </a:rPr>
+              <a:t>Kernel function</a:t>
+            </a:r>
+          </a:p>
+          <a:p>
+            <a:pPr algn="ctr"/>
+            <a:r>
+              <a:rPr lang="en-US" altLang="zh-CN" sz="800" dirty="0" smtClean="0">
+                <a:latin typeface="微软雅黑" pitchFamily="34" charset="-122"/>
+                <a:ea typeface="微软雅黑" pitchFamily="34" charset="-122"/>
+              </a:rPr>
+              <a:t>test</a:t>
+            </a:r>
+            <a:endParaRPr lang="zh-CN" altLang="en-US" sz="800" dirty="0">
+              <a:latin typeface="微软雅黑" pitchFamily="34" charset="-122"/>
+              <a:ea typeface="微软雅黑" pitchFamily="34" charset="-122"/>
+            </a:endParaRPr>
+          </a:p>
+        </p:txBody>
+      </p:sp>
+      <p:sp>
+        <p:nvSpPr>
+          <p:cNvPr id="86" name="AutoShape 5"/>
+          <p:cNvSpPr>
+            <a:spLocks noChangeArrowheads="1"/>
+          </p:cNvSpPr>
+          <p:nvPr/>
+        </p:nvSpPr>
+        <p:spPr bwMode="auto">
+          <a:xfrm>
+            <a:off x="2163920" y="3274038"/>
+            <a:ext cx="792088" cy="216024"/>
+          </a:xfrm>
+          <a:prstGeom prst="roundRect">
+            <a:avLst>
+              <a:gd name="adj" fmla="val 16667"/>
+            </a:avLst>
+          </a:prstGeom>
+          <a:solidFill>
+            <a:srgbClr val="FF0000"/>
+          </a:solidFill>
+          <a:ln w="9525">
+            <a:noFill/>
+            <a:round/>
+            <a:headEnd/>
+            <a:tailEnd/>
+          </a:ln>
+          <a:effectLst>
+            <a:outerShdw blurRad="44450" dist="27940" dir="5400000" algn="ctr">
+              <a:srgbClr val="000000">
+                <a:alpha val="32000"/>
+              </a:srgbClr>
+            </a:outerShdw>
+          </a:effectLst>
+          <a:scene3d>
+            <a:camera prst="orthographicFront">
+              <a:rot lat="0" lon="0" rev="0"/>
+            </a:camera>
+            <a:lightRig rig="balanced" dir="t">
+              <a:rot lat="0" lon="0" rev="8700000"/>
+            </a:lightRig>
+          </a:scene3d>
+          <a:sp3d>
+            <a:bevelT w="190500" h="38100"/>
+          </a:sp3d>
+        </p:spPr>
+        <p:txBody>
+          <a:bodyPr wrap="none" lIns="117244" tIns="58622" rIns="117244" bIns="58622" anchor="ctr"/>
+          <a:lstStyle/>
+          <a:p>
+            <a:pPr algn="ctr"/>
+            <a:r>
+              <a:rPr lang="en-US" altLang="zh-CN" sz="800" dirty="0" smtClean="0">
+                <a:latin typeface="微软雅黑" pitchFamily="34" charset="-122"/>
+                <a:ea typeface="微软雅黑" pitchFamily="34" charset="-122"/>
+              </a:rPr>
+              <a:t>Kernel stress </a:t>
+            </a:r>
+          </a:p>
+          <a:p>
+            <a:pPr algn="ctr"/>
+            <a:r>
+              <a:rPr lang="en-US" altLang="zh-CN" sz="800" dirty="0" smtClean="0">
+                <a:latin typeface="微软雅黑" pitchFamily="34" charset="-122"/>
+                <a:ea typeface="微软雅黑" pitchFamily="34" charset="-122"/>
+              </a:rPr>
+              <a:t>test</a:t>
+            </a:r>
+            <a:endParaRPr lang="zh-CN" altLang="en-US" sz="800" dirty="0">
+              <a:latin typeface="微软雅黑" pitchFamily="34" charset="-122"/>
+              <a:ea typeface="微软雅黑" pitchFamily="34" charset="-122"/>
+            </a:endParaRPr>
+          </a:p>
+        </p:txBody>
+      </p:sp>
+      <p:sp>
+        <p:nvSpPr>
+          <p:cNvPr id="87" name="AutoShape 5"/>
+          <p:cNvSpPr>
+            <a:spLocks noChangeArrowheads="1"/>
+          </p:cNvSpPr>
+          <p:nvPr/>
+        </p:nvSpPr>
+        <p:spPr bwMode="auto">
+          <a:xfrm>
+            <a:off x="2170616" y="3506806"/>
+            <a:ext cx="792088" cy="216024"/>
+          </a:xfrm>
+          <a:prstGeom prst="roundRect">
+            <a:avLst>
+              <a:gd name="adj" fmla="val 16667"/>
+            </a:avLst>
+          </a:prstGeom>
+          <a:solidFill>
+            <a:srgbClr val="FF0000"/>
+          </a:solidFill>
+          <a:ln w="9525">
+            <a:noFill/>
+            <a:round/>
+            <a:headEnd/>
+            <a:tailEnd/>
+          </a:ln>
+          <a:effectLst>
+            <a:outerShdw blurRad="44450" dist="27940" dir="5400000" algn="ctr">
+              <a:srgbClr val="000000">
+                <a:alpha val="32000"/>
+              </a:srgbClr>
+            </a:outerShdw>
+          </a:effectLst>
+          <a:scene3d>
+            <a:camera prst="orthographicFront">
+              <a:rot lat="0" lon="0" rev="0"/>
+            </a:camera>
+            <a:lightRig rig="balanced" dir="t">
+              <a:rot lat="0" lon="0" rev="8700000"/>
+            </a:lightRig>
+          </a:scene3d>
+          <a:sp3d>
+            <a:bevelT w="190500" h="38100"/>
+          </a:sp3d>
+        </p:spPr>
+        <p:txBody>
+          <a:bodyPr wrap="none" lIns="117244" tIns="58622" rIns="117244" bIns="58622" anchor="ctr"/>
+          <a:lstStyle/>
+          <a:p>
+            <a:pPr algn="ctr"/>
+            <a:r>
+              <a:rPr lang="en-US" altLang="zh-CN" sz="800" dirty="0" smtClean="0">
+                <a:latin typeface="微软雅黑" pitchFamily="34" charset="-122"/>
+                <a:ea typeface="微软雅黑" pitchFamily="34" charset="-122"/>
+              </a:rPr>
+              <a:t>Kernel function</a:t>
+            </a:r>
+          </a:p>
+          <a:p>
+            <a:pPr algn="ctr"/>
+            <a:r>
+              <a:rPr lang="en-US" altLang="zh-CN" sz="800" dirty="0" smtClean="0">
+                <a:latin typeface="微软雅黑" pitchFamily="34" charset="-122"/>
+                <a:ea typeface="微软雅黑" pitchFamily="34" charset="-122"/>
+              </a:rPr>
+              <a:t>test</a:t>
+            </a:r>
+            <a:endParaRPr lang="zh-CN" altLang="en-US" sz="800" dirty="0">
+              <a:latin typeface="微软雅黑" pitchFamily="34" charset="-122"/>
+              <a:ea typeface="微软雅黑" pitchFamily="34" charset="-122"/>
+            </a:endParaRPr>
+          </a:p>
+        </p:txBody>
+      </p:sp>
+      <p:sp>
+        <p:nvSpPr>
+          <p:cNvPr id="88" name="AutoShape 5"/>
+          <p:cNvSpPr>
+            <a:spLocks noChangeArrowheads="1"/>
+          </p:cNvSpPr>
+          <p:nvPr/>
+        </p:nvSpPr>
+        <p:spPr bwMode="auto">
+          <a:xfrm>
+            <a:off x="3167008" y="3274038"/>
+            <a:ext cx="792088" cy="216024"/>
+          </a:xfrm>
+          <a:prstGeom prst="roundRect">
+            <a:avLst>
+              <a:gd name="adj" fmla="val 16667"/>
+            </a:avLst>
+          </a:prstGeom>
+          <a:solidFill>
+            <a:srgbClr val="FF0000"/>
+          </a:solidFill>
+          <a:ln w="9525">
+            <a:noFill/>
+            <a:round/>
+            <a:headEnd/>
+            <a:tailEnd/>
+          </a:ln>
+          <a:effectLst>
+            <a:outerShdw blurRad="44450" dist="27940" dir="5400000" algn="ctr">
+              <a:srgbClr val="000000">
+                <a:alpha val="32000"/>
+              </a:srgbClr>
+            </a:outerShdw>
+          </a:effectLst>
+          <a:scene3d>
+            <a:camera prst="orthographicFront">
+              <a:rot lat="0" lon="0" rev="0"/>
+            </a:camera>
+            <a:lightRig rig="balanced" dir="t">
+              <a:rot lat="0" lon="0" rev="8700000"/>
+            </a:lightRig>
+          </a:scene3d>
+          <a:sp3d>
+            <a:bevelT w="190500" h="38100"/>
+          </a:sp3d>
+        </p:spPr>
+        <p:txBody>
+          <a:bodyPr wrap="none" lIns="117244" tIns="58622" rIns="117244" bIns="58622" anchor="ctr"/>
+          <a:lstStyle/>
+          <a:p>
+            <a:pPr algn="ctr"/>
+            <a:r>
+              <a:rPr lang="en-US" altLang="zh-CN" sz="800" dirty="0" smtClean="0">
+                <a:latin typeface="微软雅黑" pitchFamily="34" charset="-122"/>
+                <a:ea typeface="微软雅黑" pitchFamily="34" charset="-122"/>
+              </a:rPr>
+              <a:t>Kernel stress </a:t>
+            </a:r>
+          </a:p>
+          <a:p>
+            <a:pPr algn="ctr"/>
+            <a:r>
+              <a:rPr lang="en-US" altLang="zh-CN" sz="800" dirty="0" smtClean="0">
+                <a:latin typeface="微软雅黑" pitchFamily="34" charset="-122"/>
+                <a:ea typeface="微软雅黑" pitchFamily="34" charset="-122"/>
+              </a:rPr>
+              <a:t>test</a:t>
+            </a:r>
+            <a:endParaRPr lang="zh-CN" altLang="en-US" sz="800" dirty="0">
+              <a:latin typeface="微软雅黑" pitchFamily="34" charset="-122"/>
+              <a:ea typeface="微软雅黑" pitchFamily="34" charset="-122"/>
+            </a:endParaRPr>
+          </a:p>
+        </p:txBody>
+      </p:sp>
+      <p:sp>
+        <p:nvSpPr>
+          <p:cNvPr id="89" name="AutoShape 5"/>
+          <p:cNvSpPr>
+            <a:spLocks noChangeArrowheads="1"/>
+          </p:cNvSpPr>
+          <p:nvPr/>
+        </p:nvSpPr>
+        <p:spPr bwMode="auto">
+          <a:xfrm>
+            <a:off x="3173704" y="3506806"/>
+            <a:ext cx="792088" cy="216024"/>
+          </a:xfrm>
+          <a:prstGeom prst="roundRect">
+            <a:avLst>
+              <a:gd name="adj" fmla="val 16667"/>
+            </a:avLst>
+          </a:prstGeom>
+          <a:solidFill>
+            <a:srgbClr val="FF0000"/>
+          </a:solidFill>
+          <a:ln w="9525">
+            <a:noFill/>
+            <a:round/>
+            <a:headEnd/>
+            <a:tailEnd/>
+          </a:ln>
+          <a:effectLst>
+            <a:outerShdw blurRad="44450" dist="27940" dir="5400000" algn="ctr">
+              <a:srgbClr val="000000">
+                <a:alpha val="32000"/>
+              </a:srgbClr>
+            </a:outerShdw>
+          </a:effectLst>
+          <a:scene3d>
+            <a:camera prst="orthographicFront">
+              <a:rot lat="0" lon="0" rev="0"/>
+            </a:camera>
+            <a:lightRig rig="balanced" dir="t">
+              <a:rot lat="0" lon="0" rev="8700000"/>
+            </a:lightRig>
+          </a:scene3d>
+          <a:sp3d>
+            <a:bevelT w="190500" h="38100"/>
+          </a:sp3d>
+        </p:spPr>
+        <p:txBody>
+          <a:bodyPr wrap="none" lIns="117244" tIns="58622" rIns="117244" bIns="58622" anchor="ctr"/>
+          <a:lstStyle/>
+          <a:p>
+            <a:pPr algn="ctr"/>
+            <a:r>
+              <a:rPr lang="en-US" altLang="zh-CN" sz="800" dirty="0" smtClean="0">
+                <a:latin typeface="微软雅黑" pitchFamily="34" charset="-122"/>
+                <a:ea typeface="微软雅黑" pitchFamily="34" charset="-122"/>
+              </a:rPr>
+              <a:t>Kernel function</a:t>
+            </a:r>
+          </a:p>
+          <a:p>
+            <a:pPr algn="ctr"/>
+            <a:r>
+              <a:rPr lang="en-US" altLang="zh-CN" sz="800" dirty="0" smtClean="0">
+                <a:latin typeface="微软雅黑" pitchFamily="34" charset="-122"/>
+                <a:ea typeface="微软雅黑" pitchFamily="34" charset="-122"/>
+              </a:rPr>
+              <a:t>test</a:t>
+            </a:r>
+            <a:endParaRPr lang="zh-CN" altLang="en-US" sz="800" dirty="0">
+              <a:latin typeface="微软雅黑" pitchFamily="34" charset="-122"/>
+              <a:ea typeface="微软雅黑" pitchFamily="34" charset="-122"/>
+            </a:endParaRPr>
+          </a:p>
+        </p:txBody>
+      </p:sp>
+      <p:sp>
+        <p:nvSpPr>
+          <p:cNvPr id="90" name="AutoShape 5"/>
+          <p:cNvSpPr>
+            <a:spLocks noChangeArrowheads="1"/>
+          </p:cNvSpPr>
+          <p:nvPr/>
+        </p:nvSpPr>
+        <p:spPr bwMode="auto">
+          <a:xfrm>
+            <a:off x="5178208" y="3274038"/>
+            <a:ext cx="792088" cy="216024"/>
+          </a:xfrm>
+          <a:prstGeom prst="roundRect">
+            <a:avLst>
+              <a:gd name="adj" fmla="val 16667"/>
+            </a:avLst>
+          </a:prstGeom>
+          <a:solidFill>
+            <a:srgbClr val="FF0000"/>
+          </a:solidFill>
+          <a:ln w="9525">
+            <a:noFill/>
+            <a:round/>
+            <a:headEnd/>
+            <a:tailEnd/>
+          </a:ln>
+          <a:effectLst>
+            <a:outerShdw blurRad="44450" dist="27940" dir="5400000" algn="ctr">
+              <a:srgbClr val="000000">
+                <a:alpha val="32000"/>
+              </a:srgbClr>
+            </a:outerShdw>
+          </a:effectLst>
+          <a:scene3d>
+            <a:camera prst="orthographicFront">
+              <a:rot lat="0" lon="0" rev="0"/>
+            </a:camera>
+            <a:lightRig rig="balanced" dir="t">
+              <a:rot lat="0" lon="0" rev="8700000"/>
+            </a:lightRig>
+          </a:scene3d>
+          <a:sp3d>
+            <a:bevelT w="190500" h="38100"/>
+          </a:sp3d>
+        </p:spPr>
+        <p:txBody>
+          <a:bodyPr wrap="none" lIns="117244" tIns="58622" rIns="117244" bIns="58622" anchor="ctr"/>
+          <a:lstStyle/>
+          <a:p>
+            <a:pPr algn="ctr"/>
+            <a:r>
+              <a:rPr lang="en-US" altLang="zh-CN" sz="800" dirty="0" smtClean="0">
+                <a:latin typeface="微软雅黑" pitchFamily="34" charset="-122"/>
+                <a:ea typeface="微软雅黑" pitchFamily="34" charset="-122"/>
+              </a:rPr>
+              <a:t>Kernel stress </a:t>
+            </a:r>
+          </a:p>
+          <a:p>
+            <a:pPr algn="ctr"/>
+            <a:r>
+              <a:rPr lang="en-US" altLang="zh-CN" sz="800" dirty="0" smtClean="0">
+                <a:latin typeface="微软雅黑" pitchFamily="34" charset="-122"/>
+                <a:ea typeface="微软雅黑" pitchFamily="34" charset="-122"/>
+              </a:rPr>
+              <a:t>test</a:t>
+            </a:r>
+            <a:endParaRPr lang="zh-CN" altLang="en-US" sz="800" dirty="0">
+              <a:latin typeface="微软雅黑" pitchFamily="34" charset="-122"/>
+              <a:ea typeface="微软雅黑" pitchFamily="34" charset="-122"/>
+            </a:endParaRPr>
+          </a:p>
+        </p:txBody>
+      </p:sp>
+      <p:sp>
+        <p:nvSpPr>
+          <p:cNvPr id="91" name="AutoShape 5"/>
+          <p:cNvSpPr>
+            <a:spLocks noChangeArrowheads="1"/>
+          </p:cNvSpPr>
+          <p:nvPr/>
+        </p:nvSpPr>
+        <p:spPr bwMode="auto">
+          <a:xfrm>
+            <a:off x="5184904" y="3506806"/>
+            <a:ext cx="792088" cy="216024"/>
+          </a:xfrm>
+          <a:prstGeom prst="roundRect">
+            <a:avLst>
+              <a:gd name="adj" fmla="val 16667"/>
+            </a:avLst>
+          </a:prstGeom>
+          <a:solidFill>
+            <a:srgbClr val="FF0000"/>
+          </a:solidFill>
+          <a:ln w="9525">
+            <a:noFill/>
+            <a:round/>
+            <a:headEnd/>
+            <a:tailEnd/>
+          </a:ln>
+          <a:effectLst>
+            <a:outerShdw blurRad="44450" dist="27940" dir="5400000" algn="ctr">
+              <a:srgbClr val="000000">
+                <a:alpha val="32000"/>
+              </a:srgbClr>
+            </a:outerShdw>
+          </a:effectLst>
+          <a:scene3d>
+            <a:camera prst="orthographicFront">
+              <a:rot lat="0" lon="0" rev="0"/>
+            </a:camera>
+            <a:lightRig rig="balanced" dir="t">
+              <a:rot lat="0" lon="0" rev="8700000"/>
+            </a:lightRig>
+          </a:scene3d>
+          <a:sp3d>
+            <a:bevelT w="190500" h="38100"/>
+          </a:sp3d>
+        </p:spPr>
+        <p:txBody>
+          <a:bodyPr wrap="none" lIns="117244" tIns="58622" rIns="117244" bIns="58622" anchor="ctr"/>
+          <a:lstStyle/>
+          <a:p>
+            <a:pPr algn="ctr"/>
+            <a:r>
+              <a:rPr lang="en-US" altLang="zh-CN" sz="800" dirty="0" smtClean="0">
+                <a:latin typeface="微软雅黑" pitchFamily="34" charset="-122"/>
+                <a:ea typeface="微软雅黑" pitchFamily="34" charset="-122"/>
+              </a:rPr>
+              <a:t>Kernel function</a:t>
+            </a:r>
+          </a:p>
+          <a:p>
+            <a:pPr algn="ctr"/>
+            <a:r>
+              <a:rPr lang="en-US" altLang="zh-CN" sz="800" dirty="0" smtClean="0">
+                <a:latin typeface="微软雅黑" pitchFamily="34" charset="-122"/>
+                <a:ea typeface="微软雅黑" pitchFamily="34" charset="-122"/>
+              </a:rPr>
+              <a:t>test</a:t>
+            </a:r>
+            <a:endParaRPr lang="zh-CN" altLang="en-US" sz="800" dirty="0">
+              <a:latin typeface="微软雅黑" pitchFamily="34" charset="-122"/>
+              <a:ea typeface="微软雅黑" pitchFamily="34" charset="-122"/>
+            </a:endParaRPr>
+          </a:p>
+        </p:txBody>
+      </p:sp>
+      <p:sp>
+        <p:nvSpPr>
+          <p:cNvPr id="92" name="AutoShape 5"/>
+          <p:cNvSpPr>
+            <a:spLocks noChangeArrowheads="1"/>
+          </p:cNvSpPr>
+          <p:nvPr/>
+        </p:nvSpPr>
+        <p:spPr bwMode="auto">
+          <a:xfrm>
+            <a:off x="3173704" y="3830006"/>
+            <a:ext cx="792088" cy="216024"/>
+          </a:xfrm>
+          <a:prstGeom prst="roundRect">
+            <a:avLst>
+              <a:gd name="adj" fmla="val 16667"/>
+            </a:avLst>
+          </a:prstGeom>
+          <a:solidFill>
+            <a:srgbClr val="FF0000"/>
+          </a:solidFill>
+          <a:ln w="9525">
+            <a:noFill/>
+            <a:round/>
+            <a:headEnd/>
+            <a:tailEnd/>
+          </a:ln>
+          <a:effectLst>
+            <a:outerShdw blurRad="44450" dist="27940" dir="5400000" algn="ctr">
+              <a:srgbClr val="000000">
+                <a:alpha val="32000"/>
+              </a:srgbClr>
+            </a:outerShdw>
+          </a:effectLst>
+          <a:scene3d>
+            <a:camera prst="orthographicFront">
+              <a:rot lat="0" lon="0" rev="0"/>
+            </a:camera>
+            <a:lightRig rig="balanced" dir="t">
+              <a:rot lat="0" lon="0" rev="8700000"/>
+            </a:lightRig>
+          </a:scene3d>
+          <a:sp3d>
+            <a:bevelT w="190500" h="38100"/>
+          </a:sp3d>
+        </p:spPr>
+        <p:txBody>
+          <a:bodyPr wrap="none" lIns="117244" tIns="58622" rIns="117244" bIns="58622" anchor="ctr"/>
+          <a:lstStyle/>
+          <a:p>
+            <a:pPr algn="ctr"/>
+            <a:r>
+              <a:rPr lang="en-US" altLang="zh-CN" sz="800" dirty="0" smtClean="0">
+                <a:latin typeface="微软雅黑" pitchFamily="34" charset="-122"/>
+                <a:ea typeface="微软雅黑" pitchFamily="34" charset="-122"/>
+              </a:rPr>
+              <a:t>Hardware driver</a:t>
+            </a:r>
+          </a:p>
+          <a:p>
+            <a:pPr algn="ctr"/>
+            <a:r>
+              <a:rPr lang="en-US" altLang="zh-CN" sz="800" dirty="0" smtClean="0">
+                <a:latin typeface="微软雅黑" pitchFamily="34" charset="-122"/>
+                <a:ea typeface="微软雅黑" pitchFamily="34" charset="-122"/>
+              </a:rPr>
+              <a:t>test</a:t>
+            </a:r>
+            <a:endParaRPr lang="zh-CN" altLang="en-US" sz="800" dirty="0">
+              <a:latin typeface="微软雅黑" pitchFamily="34" charset="-122"/>
+              <a:ea typeface="微软雅黑" pitchFamily="34" charset="-122"/>
+            </a:endParaRPr>
+          </a:p>
+        </p:txBody>
+      </p:sp>
+      <p:sp>
+        <p:nvSpPr>
+          <p:cNvPr id="93" name="AutoShape 5"/>
+          <p:cNvSpPr>
+            <a:spLocks noChangeArrowheads="1"/>
+          </p:cNvSpPr>
+          <p:nvPr/>
+        </p:nvSpPr>
+        <p:spPr bwMode="auto">
+          <a:xfrm>
+            <a:off x="1172552" y="3830006"/>
+            <a:ext cx="792088" cy="216024"/>
+          </a:xfrm>
+          <a:prstGeom prst="roundRect">
+            <a:avLst>
+              <a:gd name="adj" fmla="val 16667"/>
+            </a:avLst>
+          </a:prstGeom>
+          <a:solidFill>
+            <a:srgbClr val="FF0000"/>
+          </a:solidFill>
+          <a:ln w="9525">
+            <a:noFill/>
+            <a:round/>
+            <a:headEnd/>
+            <a:tailEnd/>
+          </a:ln>
+          <a:effectLst>
+            <a:outerShdw blurRad="44450" dist="27940" dir="5400000" algn="ctr">
+              <a:srgbClr val="000000">
+                <a:alpha val="32000"/>
+              </a:srgbClr>
+            </a:outerShdw>
+          </a:effectLst>
+          <a:scene3d>
+            <a:camera prst="orthographicFront">
+              <a:rot lat="0" lon="0" rev="0"/>
+            </a:camera>
+            <a:lightRig rig="balanced" dir="t">
+              <a:rot lat="0" lon="0" rev="8700000"/>
+            </a:lightRig>
+          </a:scene3d>
+          <a:sp3d>
+            <a:bevelT w="190500" h="38100"/>
+          </a:sp3d>
+        </p:spPr>
+        <p:txBody>
+          <a:bodyPr wrap="none" lIns="117244" tIns="58622" rIns="117244" bIns="58622" anchor="ctr"/>
+          <a:lstStyle/>
+          <a:p>
+            <a:pPr algn="ctr"/>
+            <a:r>
+              <a:rPr lang="en-US" altLang="zh-CN" sz="800" dirty="0" smtClean="0">
+                <a:latin typeface="微软雅黑" pitchFamily="34" charset="-122"/>
+                <a:ea typeface="微软雅黑" pitchFamily="34" charset="-122"/>
+              </a:rPr>
+              <a:t>Hardware driver</a:t>
+            </a:r>
+          </a:p>
+          <a:p>
+            <a:pPr algn="ctr"/>
+            <a:r>
+              <a:rPr lang="en-US" altLang="zh-CN" sz="800" dirty="0" smtClean="0">
+                <a:latin typeface="微软雅黑" pitchFamily="34" charset="-122"/>
+                <a:ea typeface="微软雅黑" pitchFamily="34" charset="-122"/>
+              </a:rPr>
+              <a:t>test</a:t>
+            </a:r>
+            <a:endParaRPr lang="zh-CN" altLang="en-US" sz="800" dirty="0">
+              <a:latin typeface="微软雅黑" pitchFamily="34" charset="-122"/>
+              <a:ea typeface="微软雅黑" pitchFamily="34" charset="-122"/>
+            </a:endParaRPr>
+          </a:p>
+        </p:txBody>
+      </p:sp>
+      <p:sp>
+        <p:nvSpPr>
+          <p:cNvPr id="97" name="AutoShape 5"/>
+          <p:cNvSpPr>
+            <a:spLocks noChangeArrowheads="1"/>
+          </p:cNvSpPr>
+          <p:nvPr/>
+        </p:nvSpPr>
+        <p:spPr bwMode="auto">
+          <a:xfrm>
+            <a:off x="6118288" y="2448206"/>
+            <a:ext cx="792088" cy="216024"/>
+          </a:xfrm>
+          <a:prstGeom prst="roundRect">
+            <a:avLst>
+              <a:gd name="adj" fmla="val 16667"/>
+            </a:avLst>
+          </a:prstGeom>
+          <a:solidFill>
+            <a:srgbClr val="92D050"/>
+          </a:solidFill>
+          <a:ln w="9525">
+            <a:noFill/>
+            <a:round/>
+            <a:headEnd/>
+            <a:tailEnd/>
+          </a:ln>
+          <a:effectLst>
+            <a:outerShdw blurRad="44450" dist="27940" dir="5400000" algn="ctr">
+              <a:srgbClr val="000000">
+                <a:alpha val="32000"/>
+              </a:srgbClr>
+            </a:outerShdw>
+          </a:effectLst>
+          <a:scene3d>
+            <a:camera prst="orthographicFront">
+              <a:rot lat="0" lon="0" rev="0"/>
+            </a:camera>
+            <a:lightRig rig="balanced" dir="t">
+              <a:rot lat="0" lon="0" rev="8700000"/>
+            </a:lightRig>
+          </a:scene3d>
+          <a:sp3d>
+            <a:bevelT w="190500" h="38100"/>
+          </a:sp3d>
+        </p:spPr>
+        <p:txBody>
+          <a:bodyPr wrap="none" lIns="117244" tIns="58622" rIns="117244" bIns="58622" anchor="ctr"/>
+          <a:lstStyle/>
+          <a:p>
+            <a:pPr algn="ctr"/>
+            <a:r>
+              <a:rPr lang="en-US" altLang="zh-CN" sz="800" dirty="0" err="1" smtClean="0">
+                <a:latin typeface="微软雅黑" pitchFamily="34" charset="-122"/>
+                <a:ea typeface="微软雅黑" pitchFamily="34" charset="-122"/>
+              </a:rPr>
+              <a:t>Microservice</a:t>
+            </a:r>
+            <a:endParaRPr lang="en-US" altLang="zh-CN" sz="800" dirty="0" smtClean="0">
+              <a:latin typeface="微软雅黑" pitchFamily="34" charset="-122"/>
+              <a:ea typeface="微软雅黑" pitchFamily="34" charset="-122"/>
+            </a:endParaRPr>
+          </a:p>
+          <a:p>
+            <a:pPr algn="ctr"/>
+            <a:r>
+              <a:rPr lang="en-US" altLang="zh-CN" sz="800" dirty="0" smtClean="0">
+                <a:latin typeface="微软雅黑" pitchFamily="34" charset="-122"/>
+                <a:ea typeface="微软雅黑" pitchFamily="34" charset="-122"/>
+              </a:rPr>
+              <a:t>test</a:t>
+            </a:r>
+            <a:endParaRPr lang="zh-CN" altLang="en-US" sz="800" dirty="0">
+              <a:latin typeface="微软雅黑" pitchFamily="34" charset="-122"/>
+              <a:ea typeface="微软雅黑" pitchFamily="34" charset="-122"/>
+            </a:endParaRPr>
+          </a:p>
+        </p:txBody>
+      </p:sp>
+      <p:sp>
+        <p:nvSpPr>
+          <p:cNvPr id="100" name="AutoShape 5"/>
+          <p:cNvSpPr>
+            <a:spLocks noChangeArrowheads="1"/>
+          </p:cNvSpPr>
+          <p:nvPr/>
+        </p:nvSpPr>
+        <p:spPr bwMode="auto">
+          <a:xfrm>
+            <a:off x="4174072" y="1399150"/>
+            <a:ext cx="792088" cy="216024"/>
+          </a:xfrm>
+          <a:prstGeom prst="roundRect">
+            <a:avLst>
+              <a:gd name="adj" fmla="val 16667"/>
+            </a:avLst>
+          </a:prstGeom>
+          <a:solidFill>
+            <a:srgbClr val="92D050"/>
+          </a:solidFill>
+          <a:ln w="9525">
+            <a:noFill/>
+            <a:round/>
+            <a:headEnd/>
+            <a:tailEnd/>
+          </a:ln>
+          <a:effectLst>
+            <a:outerShdw blurRad="44450" dist="27940" dir="5400000" algn="ctr">
+              <a:srgbClr val="000000">
+                <a:alpha val="32000"/>
+              </a:srgbClr>
+            </a:outerShdw>
+          </a:effectLst>
+          <a:scene3d>
+            <a:camera prst="orthographicFront">
+              <a:rot lat="0" lon="0" rev="0"/>
+            </a:camera>
+            <a:lightRig rig="balanced" dir="t">
+              <a:rot lat="0" lon="0" rev="8700000"/>
+            </a:lightRig>
+          </a:scene3d>
+          <a:sp3d>
+            <a:bevelT w="190500" h="38100"/>
+          </a:sp3d>
+        </p:spPr>
+        <p:txBody>
+          <a:bodyPr wrap="none" lIns="117244" tIns="58622" rIns="117244" bIns="58622" anchor="ctr"/>
+          <a:lstStyle/>
+          <a:p>
+            <a:pPr algn="ctr"/>
+            <a:r>
+              <a:rPr lang="en-US" altLang="zh-CN" sz="1000" dirty="0" smtClean="0">
+                <a:latin typeface="微软雅黑" pitchFamily="34" charset="-122"/>
+                <a:ea typeface="微软雅黑" pitchFamily="34" charset="-122"/>
+              </a:rPr>
+              <a:t>selenium</a:t>
+            </a:r>
+            <a:endParaRPr lang="zh-CN" altLang="en-US" sz="1000" dirty="0">
+              <a:latin typeface="微软雅黑" pitchFamily="34" charset="-122"/>
+              <a:ea typeface="微软雅黑" pitchFamily="34" charset="-122"/>
+            </a:endParaRPr>
+          </a:p>
+        </p:txBody>
+      </p:sp>
+    </p:spTree>
+  </p:cSld>
+  <p:clrMapOvr>
+    <a:masterClrMapping/>
+  </p:clrMapOvr>
+  <p:timing>
+    <p:tnLst>
+      <p:par>
+        <p:cTn id="1" dur="indefinite" restart="never" nodeType="tmRoot"/>
+      </p:par>
+    </p:tnLst>
+  </p:timing>
 </p:sld>
 </file>
 
@@ -53129,14 +57588,14 @@
         <a:effectLst/>
         <a:extLst>
           <a:ext uri="{909E8E84-426E-40DD-AFC4-6F175D3DCCD1}">
-            <a14:hiddenFill xmlns:a14="http://schemas.microsoft.com/office/drawing/2010/main" xmlns="">
+            <a14:hiddenFill xmlns="" xmlns:a14="http://schemas.microsoft.com/office/drawing/2010/main">
               <a:solidFill>
                 <a:schemeClr val="accent1"/>
               </a:solidFill>
             </a14:hiddenFill>
           </a:ext>
           <a:ext uri="{91240B29-F687-4F45-9708-019B960494DF}">
-            <a14:hiddenLine xmlns:a14="http://schemas.microsoft.com/office/drawing/2010/main" xmlns="" w="9525" cap="flat" cmpd="sng" algn="ctr">
+            <a14:hiddenLine xmlns="" xmlns:a14="http://schemas.microsoft.com/office/drawing/2010/main" w="9525" cap="flat" cmpd="sng" algn="ctr">
               <a:solidFill>
                 <a:schemeClr val="tx1"/>
               </a:solidFill>
@@ -53147,7 +57606,7 @@
             </a14:hiddenLine>
           </a:ext>
           <a:ext uri="{AF507438-7753-43E0-B8FC-AC1667EBCBE1}">
-            <a14:hiddenEffects xmlns:a14="http://schemas.microsoft.com/office/drawing/2010/main" xmlns="">
+            <a14:hiddenEffects xmlns="" xmlns:a14="http://schemas.microsoft.com/office/drawing/2010/main">
               <a:effectLst>
                 <a:outerShdw dist="35921" dir="2700000" algn="ctr" rotWithShape="0">
                   <a:schemeClr val="bg2"/>
@@ -53215,14 +57674,14 @@
         <a:effectLst/>
         <a:extLst>
           <a:ext uri="{909E8E84-426E-40DD-AFC4-6F175D3DCCD1}">
-            <a14:hiddenFill xmlns:a14="http://schemas.microsoft.com/office/drawing/2010/main" xmlns="">
+            <a14:hiddenFill xmlns="" xmlns:a14="http://schemas.microsoft.com/office/drawing/2010/main">
               <a:solidFill>
                 <a:schemeClr val="accent1"/>
               </a:solidFill>
             </a14:hiddenFill>
           </a:ext>
           <a:ext uri="{91240B29-F687-4F45-9708-019B960494DF}">
-            <a14:hiddenLine xmlns:a14="http://schemas.microsoft.com/office/drawing/2010/main" xmlns="" w="9525" cap="flat" cmpd="sng" algn="ctr">
+            <a14:hiddenLine xmlns="" xmlns:a14="http://schemas.microsoft.com/office/drawing/2010/main" w="9525" cap="flat" cmpd="sng" algn="ctr">
               <a:solidFill>
                 <a:schemeClr val="tx1"/>
               </a:solidFill>
@@ -53233,7 +57692,7 @@
             </a14:hiddenLine>
           </a:ext>
           <a:ext uri="{AF507438-7753-43E0-B8FC-AC1667EBCBE1}">
-            <a14:hiddenEffects xmlns:a14="http://schemas.microsoft.com/office/drawing/2010/main" xmlns="">
+            <a14:hiddenEffects xmlns="" xmlns:a14="http://schemas.microsoft.com/office/drawing/2010/main">
               <a:effectLst>
                 <a:outerShdw dist="35921" dir="2700000" algn="ctr" rotWithShape="0">
                   <a:schemeClr val="bg2"/>
